--- a/Hennig_PowerShell.pptx
+++ b/Hennig_PowerShell.pptx
@@ -7934,6 +7934,25 @@
               <a:rPr lang="en-CA" dirty="0"/>
               <a:t>Tons of resources available</a:t>
             </a:r>
+          </a:p>
+          <a:p>
+            <a:pPr eaLnBrk="1" hangingPunct="1">
+              <a:defRPr/>
+            </a:pPr>
+            <a:r>
+              <a:rPr lang="en-CA" dirty="0"/>
+              <a:t>Session materials </a:t>
+            </a:r>
+            <a:r>
+              <a:rPr lang="en-CA"/>
+              <a:t>at </a:t>
+            </a:r>
+            <a:r>
+              <a:rPr lang="en-CA">
+                <a:hlinkClick r:id="rId2"/>
+              </a:rPr>
+              <a:t>https://github.com/DougHennig/PowerShell</a:t>
+            </a:r>
             <a:endParaRPr lang="en-US" dirty="0"/>
           </a:p>
           <a:p>
@@ -9934,24 +9953,6 @@
 </file>
 
 <file path=customXml/item1.xml><?xml version="1.0" encoding="utf-8"?>
-<Control xmlns="http://schemas.microsoft.com/VisualStudio/2011/storyboarding/control">
-  <Id Name="3a5f3215-4f7c-4247-9247-a9acf7619a8c" Revision="1" Stencil="System.MyShapes" StencilVersion="1.0"/>
-</Control>
-</file>
-
-<file path=customXml/item10.xml><?xml version="1.0" encoding="utf-8"?>
-<Control xmlns="http://schemas.microsoft.com/VisualStudio/2011/storyboarding/control">
-  <Id Name="37d07999-8e88-45a7-b776-aa394cd3ee89" Revision="1" Stencil="System.MyShapes" StencilVersion="1.0"/>
-</Control>
-</file>
-
-<file path=customXml/item11.xml><?xml version="1.0" encoding="utf-8"?>
-<Control xmlns="http://schemas.microsoft.com/VisualStudio/2011/storyboarding/control">
-  <Id Name="37d07999-8e88-45a7-b776-aa394cd3ee89" Revision="1" Stencil="System.MyShapes" StencilVersion="1.0"/>
-</Control>
-</file>
-
-<file path=customXml/item2.xml><?xml version="1.0" encoding="utf-8"?>
 <p:properties xmlns:p="http://schemas.microsoft.com/office/2006/metadata/properties" xmlns:xsi="http://www.w3.org/2001/XMLSchema-instance" xmlns:pc="http://schemas.microsoft.com/office/infopath/2007/PartnerControls">
   <documentManagement>
     <LocPublishedLinkedAssetsLookup xmlns="4873beb7-5857-4685-be1f-d57550cc96cc" xsi:nil="true"/>
@@ -10087,25 +10088,25 @@
 </p:properties>
 </file>
 
-<file path=customXml/item3.xml><?xml version="1.0" encoding="utf-8"?>
+<file path=customXml/item10.xml><?xml version="1.0" encoding="utf-8"?>
 <Control xmlns="http://schemas.microsoft.com/VisualStudio/2011/storyboarding/control">
   <Id Name="37d07999-8e88-45a7-b776-aa394cd3ee89" Revision="1" Stencil="System.MyShapes" StencilVersion="1.0"/>
 </Control>
 </file>
 
-<file path=customXml/item4.xml><?xml version="1.0" encoding="utf-8"?>
-<Control xmlns="http://schemas.microsoft.com/VisualStudio/2011/storyboarding/control">
-  <Id Name="37d07999-8e88-45a7-b776-aa394cd3ee89" Revision="1" Stencil="System.MyShapes" StencilVersion="1.0"/>
-</Control>
-</file>
-
-<file path=customXml/item5.xml><?xml version="1.0" encoding="utf-8"?>
+<file path=customXml/item11.xml><?xml version="1.0" encoding="utf-8"?>
 <Control xmlns="http://schemas.microsoft.com/VisualStudio/2011/storyboarding/control">
   <Id Name="3a5f3215-4f7c-4247-9247-a9acf7619a8c" Revision="1" Stencil="System.MyShapes" StencilVersion="1.0"/>
 </Control>
 </file>
 
-<file path=customXml/item6.xml><?xml version="1.0" encoding="utf-8"?>
+<file path=customXml/item2.xml><?xml version="1.0" encoding="utf-8"?>
+<Control xmlns="http://schemas.microsoft.com/VisualStudio/2011/storyboarding/control">
+  <Id Name="3a5f3215-4f7c-4247-9247-a9acf7619a8c" Revision="1" Stencil="System.MyShapes" StencilVersion="1.0"/>
+</Control>
+</file>
+
+<file path=customXml/item3.xml><?xml version="1.0" encoding="utf-8"?>
 <ct:contentTypeSchema xmlns:ct="http://schemas.microsoft.com/office/2006/metadata/contentType" xmlns:ma="http://schemas.microsoft.com/office/2006/metadata/properties/metaAttributes" ct:_="" ma:_="" ma:contentTypeName="TemplateFile" ma:contentTypeID="0x0101006EDDDB5EE6D98C44930B742096920B300400F5B6D36B3EF94B4E9A635CDF2A18F5B8" ma:contentTypeVersion="72" ma:contentTypeDescription="Create a new document." ma:contentTypeScope="" ma:versionID="a23e56308344d904b51738559c3d67c9">
   <xsd:schema xmlns:xsd="http://www.w3.org/2001/XMLSchema" xmlns:xs="http://www.w3.org/2001/XMLSchema" xmlns:p="http://schemas.microsoft.com/office/2006/metadata/properties" xmlns:ns2="4873beb7-5857-4685-be1f-d57550cc96cc" targetNamespace="http://schemas.microsoft.com/office/2006/metadata/properties" ma:root="true" ma:fieldsID="cd0908cc4600e77bf5da051303e00c8d" ns2:_="">
     <xsd:import namespace="4873beb7-5857-4685-be1f-d57550cc96cc"/>
@@ -11145,13 +11146,37 @@
 </ct:contentTypeSchema>
 </file>
 
-<file path=customXml/item7.xml><?xml version="1.0" encoding="utf-8"?>
+<file path=customXml/item4.xml><?xml version="1.0" encoding="utf-8"?>
+<Control xmlns="http://schemas.microsoft.com/VisualStudio/2011/storyboarding/control">
+  <Id Name="37d07999-8e88-45a7-b776-aa394cd3ee89" Revision="1" Stencil="System.MyShapes" StencilVersion="1.0"/>
+</Control>
+</file>
+
+<file path=customXml/item5.xml><?xml version="1.0" encoding="utf-8"?>
 <Control xmlns="http://schemas.microsoft.com/VisualStudio/2011/storyboarding/control">
   <Id Name="3a5f3215-4f7c-4247-9247-a9acf7619a8c" Revision="1" Stencil="System.MyShapes" StencilVersion="1.0"/>
 </Control>
 </file>
 
+<file path=customXml/item6.xml><?xml version="1.0" encoding="utf-8"?>
+<Control xmlns="http://schemas.microsoft.com/VisualStudio/2011/storyboarding/control">
+  <Id Name="37d07999-8e88-45a7-b776-aa394cd3ee89" Revision="1" Stencil="System.MyShapes" StencilVersion="1.0"/>
+</Control>
+</file>
+
+<file path=customXml/item7.xml><?xml version="1.0" encoding="utf-8"?>
+<Control xmlns="http://schemas.microsoft.com/VisualStudio/2011/storyboarding/control">
+  <Id Name="37d07999-8e88-45a7-b776-aa394cd3ee89" Revision="1" Stencil="System.MyShapes" StencilVersion="1.0"/>
+</Control>
+</file>
+
 <file path=customXml/item8.xml><?xml version="1.0" encoding="utf-8"?>
+<Control xmlns="http://schemas.microsoft.com/VisualStudio/2011/storyboarding/control">
+  <Id Name="3a5f3215-4f7c-4247-9247-a9acf7619a8c" Revision="1" Stencil="System.MyShapes" StencilVersion="1.0"/>
+</Control>
+</file>
+
+<file path=customXml/item9.xml><?xml version="1.0" encoding="utf-8"?>
 <?mso-contentType ?>
 <FormTemplates xmlns="http://schemas.microsoft.com/sharepoint/v3/contenttype/forms">
   <Display>DocumentLibraryForm</Display>
@@ -11160,37 +11185,7 @@
 </FormTemplates>
 </file>
 
-<file path=customXml/item9.xml><?xml version="1.0" encoding="utf-8"?>
-<Control xmlns="http://schemas.microsoft.com/VisualStudio/2011/storyboarding/control">
-  <Id Name="3a5f3215-4f7c-4247-9247-a9acf7619a8c" Revision="1" Stencil="System.MyShapes" StencilVersion="1.0"/>
-</Control>
-</file>
-
 <file path=customXml/itemProps1.xml><?xml version="1.0" encoding="utf-8"?>
-<ds:datastoreItem xmlns:ds="http://schemas.openxmlformats.org/officeDocument/2006/customXml" ds:itemID="{B93E3EFA-D9D3-4448-BC21-BB6156158366}">
-  <ds:schemaRefs>
-    <ds:schemaRef ds:uri="http://schemas.microsoft.com/VisualStudio/2011/storyboarding/control"/>
-  </ds:schemaRefs>
-</ds:datastoreItem>
-</file>
-
-<file path=customXml/itemProps10.xml><?xml version="1.0" encoding="utf-8"?>
-<ds:datastoreItem xmlns:ds="http://schemas.openxmlformats.org/officeDocument/2006/customXml" ds:itemID="{7CC5A912-861C-4DE5-A79D-195E5086349C}">
-  <ds:schemaRefs>
-    <ds:schemaRef ds:uri="http://schemas.microsoft.com/VisualStudio/2011/storyboarding/control"/>
-  </ds:schemaRefs>
-</ds:datastoreItem>
-</file>
-
-<file path=customXml/itemProps11.xml><?xml version="1.0" encoding="utf-8"?>
-<ds:datastoreItem xmlns:ds="http://schemas.openxmlformats.org/officeDocument/2006/customXml" ds:itemID="{D64DEF83-831D-41CA-B887-8B4678D84355}">
-  <ds:schemaRefs>
-    <ds:schemaRef ds:uri="http://schemas.microsoft.com/VisualStudio/2011/storyboarding/control"/>
-  </ds:schemaRefs>
-</ds:datastoreItem>
-</file>
-
-<file path=customXml/itemProps2.xml><?xml version="1.0" encoding="utf-8"?>
 <ds:datastoreItem xmlns:ds="http://schemas.openxmlformats.org/officeDocument/2006/customXml" ds:itemID="{F301D382-32B0-43EE-932C-28906AF37617}">
   <ds:schemaRefs>
     <ds:schemaRef ds:uri="http://purl.org/dc/elements/1.1/"/>
@@ -11206,7 +11201,7 @@
 </ds:datastoreItem>
 </file>
 
-<file path=customXml/itemProps3.xml><?xml version="1.0" encoding="utf-8"?>
+<file path=customXml/itemProps10.xml><?xml version="1.0" encoding="utf-8"?>
 <ds:datastoreItem xmlns:ds="http://schemas.openxmlformats.org/officeDocument/2006/customXml" ds:itemID="{9BE992AB-AC79-4CFA-8E4D-01B8E612C593}">
   <ds:schemaRefs>
     <ds:schemaRef ds:uri="http://schemas.microsoft.com/VisualStudio/2011/storyboarding/control"/>
@@ -11214,23 +11209,23 @@
 </ds:datastoreItem>
 </file>
 
-<file path=customXml/itemProps4.xml><?xml version="1.0" encoding="utf-8"?>
-<ds:datastoreItem xmlns:ds="http://schemas.openxmlformats.org/officeDocument/2006/customXml" ds:itemID="{24248713-04D9-4B55-9B64-290315285C69}">
+<file path=customXml/itemProps11.xml><?xml version="1.0" encoding="utf-8"?>
+<ds:datastoreItem xmlns:ds="http://schemas.openxmlformats.org/officeDocument/2006/customXml" ds:itemID="{3DCE84C0-C49E-43FD-B3E0-95EA30D6B555}">
   <ds:schemaRefs>
     <ds:schemaRef ds:uri="http://schemas.microsoft.com/VisualStudio/2011/storyboarding/control"/>
   </ds:schemaRefs>
 </ds:datastoreItem>
 </file>
 
-<file path=customXml/itemProps5.xml><?xml version="1.0" encoding="utf-8"?>
-<ds:datastoreItem xmlns:ds="http://schemas.openxmlformats.org/officeDocument/2006/customXml" ds:itemID="{424F15E0-202D-4292-9536-B4298F98D690}">
+<file path=customXml/itemProps2.xml><?xml version="1.0" encoding="utf-8"?>
+<ds:datastoreItem xmlns:ds="http://schemas.openxmlformats.org/officeDocument/2006/customXml" ds:itemID="{B93E3EFA-D9D3-4448-BC21-BB6156158366}">
   <ds:schemaRefs>
     <ds:schemaRef ds:uri="http://schemas.microsoft.com/VisualStudio/2011/storyboarding/control"/>
   </ds:schemaRefs>
 </ds:datastoreItem>
 </file>
 
-<file path=customXml/itemProps6.xml><?xml version="1.0" encoding="utf-8"?>
+<file path=customXml/itemProps3.xml><?xml version="1.0" encoding="utf-8"?>
 <ds:datastoreItem xmlns:ds="http://schemas.openxmlformats.org/officeDocument/2006/customXml" ds:itemID="{BBB5C329-08A6-4E5E-AEF1-A97828C87411}">
   <ds:schemaRefs>
     <ds:schemaRef ds:uri="http://schemas.microsoft.com/office/2006/metadata/contentType"/>
@@ -11248,8 +11243,32 @@
 </ds:datastoreItem>
 </file>
 
+<file path=customXml/itemProps4.xml><?xml version="1.0" encoding="utf-8"?>
+<ds:datastoreItem xmlns:ds="http://schemas.openxmlformats.org/officeDocument/2006/customXml" ds:itemID="{D64DEF83-831D-41CA-B887-8B4678D84355}">
+  <ds:schemaRefs>
+    <ds:schemaRef ds:uri="http://schemas.microsoft.com/VisualStudio/2011/storyboarding/control"/>
+  </ds:schemaRefs>
+</ds:datastoreItem>
+</file>
+
+<file path=customXml/itemProps5.xml><?xml version="1.0" encoding="utf-8"?>
+<ds:datastoreItem xmlns:ds="http://schemas.openxmlformats.org/officeDocument/2006/customXml" ds:itemID="{424F15E0-202D-4292-9536-B4298F98D690}">
+  <ds:schemaRefs>
+    <ds:schemaRef ds:uri="http://schemas.microsoft.com/VisualStudio/2011/storyboarding/control"/>
+  </ds:schemaRefs>
+</ds:datastoreItem>
+</file>
+
+<file path=customXml/itemProps6.xml><?xml version="1.0" encoding="utf-8"?>
+<ds:datastoreItem xmlns:ds="http://schemas.openxmlformats.org/officeDocument/2006/customXml" ds:itemID="{7CC5A912-861C-4DE5-A79D-195E5086349C}">
+  <ds:schemaRefs>
+    <ds:schemaRef ds:uri="http://schemas.microsoft.com/VisualStudio/2011/storyboarding/control"/>
+  </ds:schemaRefs>
+</ds:datastoreItem>
+</file>
+
 <file path=customXml/itemProps7.xml><?xml version="1.0" encoding="utf-8"?>
-<ds:datastoreItem xmlns:ds="http://schemas.openxmlformats.org/officeDocument/2006/customXml" ds:itemID="{3DCE84C0-C49E-43FD-B3E0-95EA30D6B555}">
+<ds:datastoreItem xmlns:ds="http://schemas.openxmlformats.org/officeDocument/2006/customXml" ds:itemID="{24248713-04D9-4B55-9B64-290315285C69}">
   <ds:schemaRefs>
     <ds:schemaRef ds:uri="http://schemas.microsoft.com/VisualStudio/2011/storyboarding/control"/>
   </ds:schemaRefs>
@@ -11257,17 +11276,17 @@
 </file>
 
 <file path=customXml/itemProps8.xml><?xml version="1.0" encoding="utf-8"?>
+<ds:datastoreItem xmlns:ds="http://schemas.openxmlformats.org/officeDocument/2006/customXml" ds:itemID="{F8B7C765-2F36-4486-9DE5-D0E485AFE8E4}">
+  <ds:schemaRefs>
+    <ds:schemaRef ds:uri="http://schemas.microsoft.com/VisualStudio/2011/storyboarding/control"/>
+  </ds:schemaRefs>
+</ds:datastoreItem>
+</file>
+
+<file path=customXml/itemProps9.xml><?xml version="1.0" encoding="utf-8"?>
 <ds:datastoreItem xmlns:ds="http://schemas.openxmlformats.org/officeDocument/2006/customXml" ds:itemID="{E1B558C7-619B-49BE-9097-7FCBDADD4ECE}">
   <ds:schemaRefs>
     <ds:schemaRef ds:uri="http://schemas.microsoft.com/sharepoint/v3/contenttype/forms"/>
   </ds:schemaRefs>
 </ds:datastoreItem>
-</file>
-
-<file path=customXml/itemProps9.xml><?xml version="1.0" encoding="utf-8"?>
-<ds:datastoreItem xmlns:ds="http://schemas.openxmlformats.org/officeDocument/2006/customXml" ds:itemID="{F8B7C765-2F36-4486-9DE5-D0E485AFE8E4}">
-  <ds:schemaRefs>
-    <ds:schemaRef ds:uri="http://schemas.microsoft.com/VisualStudio/2011/storyboarding/control"/>
-  </ds:schemaRefs>
-</ds:datastoreItem>
 </file>
--- a/Hennig_PowerShell.pptx
+++ b/Hennig_PowerShell.pptx
@@ -5,41 +5,42 @@
     <p:sldMasterId id="2147483660" r:id="rId12"/>
   </p:sldMasterIdLst>
   <p:notesMasterIdLst>
-    <p:notesMasterId r:id="rId42"/>
+    <p:notesMasterId r:id="rId43"/>
   </p:notesMasterIdLst>
   <p:handoutMasterIdLst>
-    <p:handoutMasterId r:id="rId43"/>
+    <p:handoutMasterId r:id="rId44"/>
   </p:handoutMasterIdLst>
   <p:sldIdLst>
     <p:sldId id="383" r:id="rId13"/>
     <p:sldId id="384" r:id="rId14"/>
-    <p:sldId id="399" r:id="rId15"/>
-    <p:sldId id="436" r:id="rId16"/>
-    <p:sldId id="401" r:id="rId17"/>
-    <p:sldId id="402" r:id="rId18"/>
-    <p:sldId id="403" r:id="rId19"/>
-    <p:sldId id="404" r:id="rId20"/>
-    <p:sldId id="431" r:id="rId21"/>
-    <p:sldId id="405" r:id="rId22"/>
-    <p:sldId id="406" r:id="rId23"/>
-    <p:sldId id="407" r:id="rId24"/>
-    <p:sldId id="408" r:id="rId25"/>
-    <p:sldId id="413" r:id="rId26"/>
-    <p:sldId id="414" r:id="rId27"/>
-    <p:sldId id="415" r:id="rId28"/>
-    <p:sldId id="417" r:id="rId29"/>
-    <p:sldId id="418" r:id="rId30"/>
-    <p:sldId id="420" r:id="rId31"/>
-    <p:sldId id="421" r:id="rId32"/>
-    <p:sldId id="422" r:id="rId33"/>
-    <p:sldId id="424" r:id="rId34"/>
-    <p:sldId id="429" r:id="rId35"/>
-    <p:sldId id="430" r:id="rId36"/>
-    <p:sldId id="397" r:id="rId37"/>
-    <p:sldId id="432" r:id="rId38"/>
-    <p:sldId id="434" r:id="rId39"/>
-    <p:sldId id="435" r:id="rId40"/>
-    <p:sldId id="398" r:id="rId41"/>
+    <p:sldId id="437" r:id="rId15"/>
+    <p:sldId id="399" r:id="rId16"/>
+    <p:sldId id="436" r:id="rId17"/>
+    <p:sldId id="401" r:id="rId18"/>
+    <p:sldId id="402" r:id="rId19"/>
+    <p:sldId id="403" r:id="rId20"/>
+    <p:sldId id="404" r:id="rId21"/>
+    <p:sldId id="431" r:id="rId22"/>
+    <p:sldId id="405" r:id="rId23"/>
+    <p:sldId id="406" r:id="rId24"/>
+    <p:sldId id="407" r:id="rId25"/>
+    <p:sldId id="408" r:id="rId26"/>
+    <p:sldId id="413" r:id="rId27"/>
+    <p:sldId id="414" r:id="rId28"/>
+    <p:sldId id="415" r:id="rId29"/>
+    <p:sldId id="417" r:id="rId30"/>
+    <p:sldId id="418" r:id="rId31"/>
+    <p:sldId id="420" r:id="rId32"/>
+    <p:sldId id="421" r:id="rId33"/>
+    <p:sldId id="422" r:id="rId34"/>
+    <p:sldId id="424" r:id="rId35"/>
+    <p:sldId id="429" r:id="rId36"/>
+    <p:sldId id="430" r:id="rId37"/>
+    <p:sldId id="397" r:id="rId38"/>
+    <p:sldId id="432" r:id="rId39"/>
+    <p:sldId id="434" r:id="rId40"/>
+    <p:sldId id="435" r:id="rId41"/>
+    <p:sldId id="398" r:id="rId42"/>
   </p:sldIdLst>
   <p:sldSz cx="12188825" cy="6858000"/>
   <p:notesSz cx="9101138" cy="6858000"/>
@@ -263,7 +264,7 @@
                   <a:schemeClr val="tx2"/>
                 </a:solidFill>
               </a:rPr>
-              <a:t>04/06/2023</a:t>
+              <a:t>11/06/2023</a:t>
             </a:fld>
             <a:endParaRPr lang="en-GB" dirty="0">
               <a:solidFill>
@@ -456,7 +457,7 @@
           <a:p>
             <a:fld id="{43F82CE1-C859-40EE-9EB2-765AABAEDB14}" type="datetime1">
               <a:rPr lang="en-GB" noProof="0" smtClean="0"/>
-              <a:t>04/06/2023</a:t>
+              <a:t>11/06/2023</a:t>
             </a:fld>
             <a:endParaRPr lang="en-GB" noProof="0" dirty="0"/>
           </a:p>
@@ -801,7 +802,7 @@
           <a:p>
             <a:fld id="{43F82CE1-C859-40EE-9EB2-765AABAEDB14}" type="datetime1">
               <a:rPr lang="en-GB" noProof="0" smtClean="0"/>
-              <a:t>04/06/2023</a:t>
+              <a:t>11/06/2023</a:t>
             </a:fld>
             <a:endParaRPr lang="en-GB" noProof="0" dirty="0"/>
           </a:p>
@@ -3363,7 +3364,7 @@
           <p:cNvPr id="2" name="Title 1">
             <a:extLst>
               <a:ext uri="{FF2B5EF4-FFF2-40B4-BE49-F238E27FC236}">
-                <a16:creationId xmlns:a16="http://schemas.microsoft.com/office/drawing/2014/main" id="{C8B7AD74-A684-4493-AE63-3BA373E6230F}"/>
+                <a16:creationId xmlns:a16="http://schemas.microsoft.com/office/drawing/2014/main" id="{765E4264-6707-4754-A83F-CCB7F68FA25D}"/>
               </a:ext>
             </a:extLst>
           </p:cNvPr>
@@ -3383,7 +3384,7 @@
           <a:p>
             <a:r>
               <a:rPr lang="en-CA" dirty="0"/>
-              <a:t>Commands</a:t>
+              <a:t>PowerShell ISE</a:t>
             </a:r>
           </a:p>
         </p:txBody>
@@ -3393,7 +3394,7 @@
           <p:cNvPr id="3" name="Content Placeholder 2">
             <a:extLst>
               <a:ext uri="{FF2B5EF4-FFF2-40B4-BE49-F238E27FC236}">
-                <a16:creationId xmlns:a16="http://schemas.microsoft.com/office/drawing/2014/main" id="{039C0F2C-733E-4541-8BAD-725687A4E777}"/>
+                <a16:creationId xmlns:a16="http://schemas.microsoft.com/office/drawing/2014/main" id="{8D2BB768-C17B-4143-8295-3B2A2C8783EC}"/>
               </a:ext>
             </a:extLst>
           </p:cNvPr>
@@ -3411,44 +3412,92 @@
           <a:p>
             <a:r>
               <a:rPr lang="en-CA" dirty="0"/>
-              <a:t>Four types:</a:t>
-            </a:r>
-          </a:p>
-          <a:p>
-            <a:pPr lvl="1"/>
-            <a:r>
-              <a:rPr lang="en-CA" dirty="0"/>
-              <a:t>Native commands</a:t>
-            </a:r>
-          </a:p>
-          <a:p>
-            <a:pPr lvl="1"/>
-            <a:r>
-              <a:rPr lang="en-CA" dirty="0"/>
-              <a:t>Cmdlets</a:t>
-            </a:r>
-          </a:p>
-          <a:p>
-            <a:pPr lvl="1"/>
-            <a:r>
-              <a:rPr lang="en-CA" dirty="0"/>
-              <a:t>Scripts</a:t>
-            </a:r>
-          </a:p>
-          <a:p>
-            <a:pPr lvl="1"/>
-            <a:r>
-              <a:rPr lang="en-CA" dirty="0"/>
-              <a:t>Functions</a:t>
+              <a:t>For PowerShell (use VS Code with PS extension for PowerShell Core)</a:t>
+            </a:r>
+          </a:p>
+          <a:p>
+            <a:r>
+              <a:rPr lang="en-CA" dirty="0"/>
+              <a:t>Console pane, script editor, debugger, commands pane, IntelliSense</a:t>
+            </a:r>
+          </a:p>
+          <a:p>
+            <a:r>
+              <a:rPr lang="en-CA" dirty="0"/>
+              <a:t>Launch: edit ps1 file or</a:t>
+            </a:r>
+            <a:br>
+              <a:rPr lang="en-CA" dirty="0"/>
+            </a:br>
+            <a:r>
+              <a:rPr lang="en-CA" dirty="0"/>
+              <a:t>“</a:t>
+            </a:r>
+            <a:r>
+              <a:rPr lang="en-CA" dirty="0" err="1"/>
+              <a:t>powershell_ise</a:t>
+            </a:r>
+            <a:r>
+              <a:rPr lang="en-CA" dirty="0"/>
+              <a:t>” in</a:t>
+            </a:r>
+            <a:br>
+              <a:rPr lang="en-CA" dirty="0"/>
+            </a:br>
+            <a:r>
+              <a:rPr lang="en-CA" dirty="0"/>
+              <a:t>Windows Explorer address bar</a:t>
+            </a:r>
+          </a:p>
+          <a:p>
+            <a:r>
+              <a:rPr lang="en-CA" dirty="0"/>
+              <a:t>Tab completion handy</a:t>
             </a:r>
             <a:endParaRPr lang="en-US" dirty="0"/>
           </a:p>
         </p:txBody>
       </p:sp>
+      <p:pic>
+        <p:nvPicPr>
+          <p:cNvPr id="5" name="Picture 4">
+            <a:extLst>
+              <a:ext uri="{FF2B5EF4-FFF2-40B4-BE49-F238E27FC236}">
+                <a16:creationId xmlns:a16="http://schemas.microsoft.com/office/drawing/2014/main" id="{0D223F90-67F1-46F0-B794-F716FEEE0CC9}"/>
+              </a:ext>
+            </a:extLst>
+          </p:cNvPr>
+          <p:cNvPicPr>
+            <a:picLocks noChangeAspect="1"/>
+          </p:cNvPicPr>
+          <p:nvPr/>
+        </p:nvPicPr>
+        <p:blipFill>
+          <a:blip r:embed="rId2">
+            <a:extLst>
+              <a:ext uri="{28A0092B-C50C-407E-A947-70E740481C1C}">
+                <a14:useLocalDpi xmlns:a14="http://schemas.microsoft.com/office/drawing/2010/main" val="0"/>
+              </a:ext>
+            </a:extLst>
+          </a:blip>
+          <a:stretch>
+            <a:fillRect/>
+          </a:stretch>
+        </p:blipFill>
+        <p:spPr>
+          <a:xfrm>
+            <a:off x="8402633" y="3284984"/>
+            <a:ext cx="3752212" cy="3004780"/>
+          </a:xfrm>
+          <a:prstGeom prst="rect">
+            <a:avLst/>
+          </a:prstGeom>
+        </p:spPr>
+      </p:pic>
     </p:spTree>
     <p:extLst>
       <p:ext uri="{BB962C8B-B14F-4D97-AF65-F5344CB8AC3E}">
-        <p14:creationId xmlns:p14="http://schemas.microsoft.com/office/powerpoint/2010/main" val="903872875"/>
+        <p14:creationId xmlns:p14="http://schemas.microsoft.com/office/powerpoint/2010/main" val="1883165359"/>
       </p:ext>
     </p:extLst>
   </p:cSld>
@@ -3492,7 +3541,7 @@
           <p:cNvPr id="2" name="Title 1">
             <a:extLst>
               <a:ext uri="{FF2B5EF4-FFF2-40B4-BE49-F238E27FC236}">
-                <a16:creationId xmlns:a16="http://schemas.microsoft.com/office/drawing/2014/main" id="{E129A38F-6C7E-4917-B2BA-61D4808C1D35}"/>
+                <a16:creationId xmlns:a16="http://schemas.microsoft.com/office/drawing/2014/main" id="{C8B7AD74-A684-4493-AE63-3BA373E6230F}"/>
               </a:ext>
             </a:extLst>
           </p:cNvPr>
@@ -3512,7 +3561,7 @@
           <a:p>
             <a:r>
               <a:rPr lang="en-CA" dirty="0"/>
-              <a:t>Cmdlets</a:t>
+              <a:t>Commands</a:t>
             </a:r>
           </a:p>
         </p:txBody>
@@ -3522,7 +3571,7 @@
           <p:cNvPr id="3" name="Content Placeholder 2">
             <a:extLst>
               <a:ext uri="{FF2B5EF4-FFF2-40B4-BE49-F238E27FC236}">
-                <a16:creationId xmlns:a16="http://schemas.microsoft.com/office/drawing/2014/main" id="{9B032D8E-D5DF-4731-9CFD-1AE31F0FA561}"/>
+                <a16:creationId xmlns:a16="http://schemas.microsoft.com/office/drawing/2014/main" id="{039C0F2C-733E-4541-8BAD-725687A4E777}"/>
               </a:ext>
             </a:extLst>
           </p:cNvPr>
@@ -3540,33 +3589,44 @@
           <a:p>
             <a:r>
               <a:rPr lang="en-CA" dirty="0"/>
-              <a:t>Built-in commands</a:t>
-            </a:r>
-          </a:p>
-          <a:p>
-            <a:r>
-              <a:rPr lang="en-CA" dirty="0"/>
-              <a:t>Verb-noun syntax</a:t>
-            </a:r>
-          </a:p>
-          <a:p>
-            <a:r>
-              <a:rPr lang="en-CA" dirty="0"/>
-              <a:t>Case-insensitive</a:t>
-            </a:r>
-          </a:p>
-          <a:p>
-            <a:r>
-              <a:rPr lang="en-CA" dirty="0"/>
-              <a:t>Aliases</a:t>
-            </a:r>
+              <a:t>Four types:</a:t>
+            </a:r>
+          </a:p>
+          <a:p>
+            <a:pPr lvl="1"/>
+            <a:r>
+              <a:rPr lang="en-CA" dirty="0"/>
+              <a:t>Native commands</a:t>
+            </a:r>
+          </a:p>
+          <a:p>
+            <a:pPr lvl="1"/>
+            <a:r>
+              <a:rPr lang="en-CA" dirty="0"/>
+              <a:t>Cmdlets</a:t>
+            </a:r>
+          </a:p>
+          <a:p>
+            <a:pPr lvl="1"/>
+            <a:r>
+              <a:rPr lang="en-CA" dirty="0"/>
+              <a:t>Scripts</a:t>
+            </a:r>
+          </a:p>
+          <a:p>
+            <a:pPr lvl="1"/>
+            <a:r>
+              <a:rPr lang="en-CA" dirty="0"/>
+              <a:t>Functions</a:t>
+            </a:r>
+            <a:endParaRPr lang="en-US" dirty="0"/>
           </a:p>
         </p:txBody>
       </p:sp>
     </p:spTree>
     <p:extLst>
       <p:ext uri="{BB962C8B-B14F-4D97-AF65-F5344CB8AC3E}">
-        <p14:creationId xmlns:p14="http://schemas.microsoft.com/office/powerpoint/2010/main" val="4259906646"/>
+        <p14:creationId xmlns:p14="http://schemas.microsoft.com/office/powerpoint/2010/main" val="903872875"/>
       </p:ext>
     </p:extLst>
   </p:cSld>
@@ -3610,7 +3670,7 @@
           <p:cNvPr id="2" name="Title 1">
             <a:extLst>
               <a:ext uri="{FF2B5EF4-FFF2-40B4-BE49-F238E27FC236}">
-                <a16:creationId xmlns:a16="http://schemas.microsoft.com/office/drawing/2014/main" id="{02B0245D-9577-4C09-B579-30B5A9158099}"/>
+                <a16:creationId xmlns:a16="http://schemas.microsoft.com/office/drawing/2014/main" id="{E129A38F-6C7E-4917-B2BA-61D4808C1D35}"/>
               </a:ext>
             </a:extLst>
           </p:cNvPr>
@@ -3630,7 +3690,7 @@
           <a:p>
             <a:r>
               <a:rPr lang="en-CA" dirty="0"/>
-              <a:t>Scripts</a:t>
+              <a:t>Cmdlets</a:t>
             </a:r>
           </a:p>
         </p:txBody>
@@ -3640,7 +3700,7 @@
           <p:cNvPr id="3" name="Content Placeholder 2">
             <a:extLst>
               <a:ext uri="{FF2B5EF4-FFF2-40B4-BE49-F238E27FC236}">
-                <a16:creationId xmlns:a16="http://schemas.microsoft.com/office/drawing/2014/main" id="{9EA3CA28-8DA2-4EFA-A557-E85ABE60428B}"/>
+                <a16:creationId xmlns:a16="http://schemas.microsoft.com/office/drawing/2014/main" id="{9B032D8E-D5DF-4731-9CFD-1AE31F0FA561}"/>
               </a:ext>
             </a:extLst>
           </p:cNvPr>
@@ -3658,22 +3718,33 @@
           <a:p>
             <a:r>
               <a:rPr lang="en-CA" dirty="0"/>
-              <a:t>ps1 file</a:t>
-            </a:r>
-          </a:p>
-          <a:p>
-            <a:r>
-              <a:rPr lang="en-CA" dirty="0"/>
-              <a:t>Execution policy prevents execution</a:t>
-            </a:r>
-            <a:endParaRPr lang="en-US" dirty="0"/>
+              <a:t>Built-in commands</a:t>
+            </a:r>
+          </a:p>
+          <a:p>
+            <a:r>
+              <a:rPr lang="en-CA" dirty="0"/>
+              <a:t>Verb-noun syntax</a:t>
+            </a:r>
+          </a:p>
+          <a:p>
+            <a:r>
+              <a:rPr lang="en-CA" dirty="0"/>
+              <a:t>Case-insensitive</a:t>
+            </a:r>
+          </a:p>
+          <a:p>
+            <a:r>
+              <a:rPr lang="en-CA" dirty="0"/>
+              <a:t>Aliases</a:t>
+            </a:r>
           </a:p>
         </p:txBody>
       </p:sp>
     </p:spTree>
     <p:extLst>
       <p:ext uri="{BB962C8B-B14F-4D97-AF65-F5344CB8AC3E}">
-        <p14:creationId xmlns:p14="http://schemas.microsoft.com/office/powerpoint/2010/main" val="1327909422"/>
+        <p14:creationId xmlns:p14="http://schemas.microsoft.com/office/powerpoint/2010/main" val="4259906646"/>
       </p:ext>
     </p:extLst>
   </p:cSld>
@@ -3717,7 +3788,7 @@
           <p:cNvPr id="2" name="Title 1">
             <a:extLst>
               <a:ext uri="{FF2B5EF4-FFF2-40B4-BE49-F238E27FC236}">
-                <a16:creationId xmlns:a16="http://schemas.microsoft.com/office/drawing/2014/main" id="{3BEABF9B-B390-497C-91AA-667084D80388}"/>
+                <a16:creationId xmlns:a16="http://schemas.microsoft.com/office/drawing/2014/main" id="{02B0245D-9577-4C09-B579-30B5A9158099}"/>
               </a:ext>
             </a:extLst>
           </p:cNvPr>
@@ -3737,7 +3808,7 @@
           <a:p>
             <a:r>
               <a:rPr lang="en-CA" dirty="0"/>
-              <a:t>Functions</a:t>
+              <a:t>Scripts</a:t>
             </a:r>
           </a:p>
         </p:txBody>
@@ -3747,7 +3818,7 @@
           <p:cNvPr id="3" name="Content Placeholder 2">
             <a:extLst>
               <a:ext uri="{FF2B5EF4-FFF2-40B4-BE49-F238E27FC236}">
-                <a16:creationId xmlns:a16="http://schemas.microsoft.com/office/drawing/2014/main" id="{3A775533-2128-4BDD-BDC6-05E083370598}"/>
+                <a16:creationId xmlns:a16="http://schemas.microsoft.com/office/drawing/2014/main" id="{9EA3CA28-8DA2-4EFA-A557-E85ABE60428B}"/>
               </a:ext>
             </a:extLst>
           </p:cNvPr>
@@ -3763,71 +3834,16 @@
           <a:bodyPr/>
           <a:lstStyle/>
           <a:p>
-            <a:pPr marL="0" indent="0">
-              <a:buNone/>
-            </a:pPr>
-            <a:r>
-              <a:rPr lang="en-US" sz="2400" dirty="0">
-                <a:effectLst/>
-                <a:latin typeface="Consolas" panose="020B0609020204030204" pitchFamily="49" charset="0"/>
-                <a:cs typeface="Consolas" panose="020B0609020204030204" pitchFamily="49" charset="0"/>
-              </a:rPr>
-              <a:t>function HelloWorld($name)</a:t>
-            </a:r>
-          </a:p>
-          <a:p>
-            <a:pPr marL="0" indent="0">
-              <a:spcBef>
-                <a:spcPts val="0"/>
-              </a:spcBef>
-              <a:buNone/>
-            </a:pPr>
-            <a:r>
-              <a:rPr lang="en-US" sz="2400" dirty="0">
-                <a:effectLst/>
-                <a:latin typeface="Consolas" panose="020B0609020204030204" pitchFamily="49" charset="0"/>
-                <a:cs typeface="Consolas" panose="020B0609020204030204" pitchFamily="49" charset="0"/>
-              </a:rPr>
-              <a:t>  {</a:t>
-            </a:r>
-          </a:p>
-          <a:p>
-            <a:pPr marL="0" indent="0">
-              <a:spcBef>
-                <a:spcPts val="0"/>
-              </a:spcBef>
-              <a:buNone/>
-            </a:pPr>
-            <a:r>
-              <a:rPr lang="en-US" sz="2400" dirty="0">
-                <a:effectLst/>
-                <a:latin typeface="Consolas" panose="020B0609020204030204" pitchFamily="49" charset="0"/>
-                <a:cs typeface="Consolas" panose="020B0609020204030204" pitchFamily="49" charset="0"/>
-              </a:rPr>
-              <a:t>    return "Hello, $name"</a:t>
-            </a:r>
-          </a:p>
-          <a:p>
-            <a:pPr marL="0" indent="0">
-              <a:spcBef>
-                <a:spcPts val="0"/>
-              </a:spcBef>
-              <a:buNone/>
-            </a:pPr>
-            <a:r>
-              <a:rPr lang="en-US" sz="2400" dirty="0">
-                <a:effectLst/>
-                <a:latin typeface="Consolas" panose="020B0609020204030204" pitchFamily="49" charset="0"/>
-                <a:cs typeface="Consolas" panose="020B0609020204030204" pitchFamily="49" charset="0"/>
-              </a:rPr>
-              <a:t>  }</a:t>
-            </a:r>
-            <a:endParaRPr lang="en-CA" sz="2400" dirty="0">
-              <a:latin typeface="Consolas" panose="020B0609020204030204" pitchFamily="49" charset="0"/>
-              <a:cs typeface="Consolas" panose="020B0609020204030204" pitchFamily="49" charset="0"/>
-            </a:endParaRPr>
-          </a:p>
-          <a:p>
+            <a:r>
+              <a:rPr lang="en-CA" dirty="0"/>
+              <a:t>ps1 file</a:t>
+            </a:r>
+          </a:p>
+          <a:p>
+            <a:r>
+              <a:rPr lang="en-CA" dirty="0"/>
+              <a:t>Execution policy prevents execution</a:t>
+            </a:r>
             <a:endParaRPr lang="en-US" dirty="0"/>
           </a:p>
         </p:txBody>
@@ -3835,7 +3851,7 @@
     </p:spTree>
     <p:extLst>
       <p:ext uri="{BB962C8B-B14F-4D97-AF65-F5344CB8AC3E}">
-        <p14:creationId xmlns:p14="http://schemas.microsoft.com/office/powerpoint/2010/main" val="1238856488"/>
+        <p14:creationId xmlns:p14="http://schemas.microsoft.com/office/powerpoint/2010/main" val="1327909422"/>
       </p:ext>
     </p:extLst>
   </p:cSld>
@@ -3879,6 +3895,168 @@
           <p:cNvPr id="2" name="Title 1">
             <a:extLst>
               <a:ext uri="{FF2B5EF4-FFF2-40B4-BE49-F238E27FC236}">
+                <a16:creationId xmlns:a16="http://schemas.microsoft.com/office/drawing/2014/main" id="{3BEABF9B-B390-497C-91AA-667084D80388}"/>
+              </a:ext>
+            </a:extLst>
+          </p:cNvPr>
+          <p:cNvSpPr>
+            <a:spLocks noGrp="1"/>
+          </p:cNvSpPr>
+          <p:nvPr>
+            <p:ph type="title"/>
+          </p:nvPr>
+        </p:nvSpPr>
+        <p:spPr/>
+        <p:txBody>
+          <a:bodyPr>
+            <a:normAutofit fontScale="90000"/>
+          </a:bodyPr>
+          <a:lstStyle/>
+          <a:p>
+            <a:r>
+              <a:rPr lang="en-CA" dirty="0"/>
+              <a:t>Functions</a:t>
+            </a:r>
+          </a:p>
+        </p:txBody>
+      </p:sp>
+      <p:sp>
+        <p:nvSpPr>
+          <p:cNvPr id="3" name="Content Placeholder 2">
+            <a:extLst>
+              <a:ext uri="{FF2B5EF4-FFF2-40B4-BE49-F238E27FC236}">
+                <a16:creationId xmlns:a16="http://schemas.microsoft.com/office/drawing/2014/main" id="{3A775533-2128-4BDD-BDC6-05E083370598}"/>
+              </a:ext>
+            </a:extLst>
+          </p:cNvPr>
+          <p:cNvSpPr>
+            <a:spLocks noGrp="1"/>
+          </p:cNvSpPr>
+          <p:nvPr>
+            <p:ph sz="quarter" idx="10"/>
+          </p:nvPr>
+        </p:nvSpPr>
+        <p:spPr/>
+        <p:txBody>
+          <a:bodyPr/>
+          <a:lstStyle/>
+          <a:p>
+            <a:pPr marL="0" indent="0">
+              <a:buNone/>
+            </a:pPr>
+            <a:r>
+              <a:rPr lang="en-US" sz="2400" dirty="0">
+                <a:effectLst/>
+                <a:latin typeface="Consolas" panose="020B0609020204030204" pitchFamily="49" charset="0"/>
+                <a:cs typeface="Consolas" panose="020B0609020204030204" pitchFamily="49" charset="0"/>
+              </a:rPr>
+              <a:t>function HelloWorld($name)</a:t>
+            </a:r>
+          </a:p>
+          <a:p>
+            <a:pPr marL="0" indent="0">
+              <a:spcBef>
+                <a:spcPts val="0"/>
+              </a:spcBef>
+              <a:buNone/>
+            </a:pPr>
+            <a:r>
+              <a:rPr lang="en-US" sz="2400" dirty="0">
+                <a:effectLst/>
+                <a:latin typeface="Consolas" panose="020B0609020204030204" pitchFamily="49" charset="0"/>
+                <a:cs typeface="Consolas" panose="020B0609020204030204" pitchFamily="49" charset="0"/>
+              </a:rPr>
+              <a:t>  {</a:t>
+            </a:r>
+          </a:p>
+          <a:p>
+            <a:pPr marL="0" indent="0">
+              <a:spcBef>
+                <a:spcPts val="0"/>
+              </a:spcBef>
+              <a:buNone/>
+            </a:pPr>
+            <a:r>
+              <a:rPr lang="en-US" sz="2400" dirty="0">
+                <a:effectLst/>
+                <a:latin typeface="Consolas" panose="020B0609020204030204" pitchFamily="49" charset="0"/>
+                <a:cs typeface="Consolas" panose="020B0609020204030204" pitchFamily="49" charset="0"/>
+              </a:rPr>
+              <a:t>    return "Hello, $name"</a:t>
+            </a:r>
+          </a:p>
+          <a:p>
+            <a:pPr marL="0" indent="0">
+              <a:spcBef>
+                <a:spcPts val="0"/>
+              </a:spcBef>
+              <a:buNone/>
+            </a:pPr>
+            <a:r>
+              <a:rPr lang="en-US" sz="2400" dirty="0">
+                <a:effectLst/>
+                <a:latin typeface="Consolas" panose="020B0609020204030204" pitchFamily="49" charset="0"/>
+                <a:cs typeface="Consolas" panose="020B0609020204030204" pitchFamily="49" charset="0"/>
+              </a:rPr>
+              <a:t>  }</a:t>
+            </a:r>
+            <a:endParaRPr lang="en-CA" sz="2400" dirty="0">
+              <a:latin typeface="Consolas" panose="020B0609020204030204" pitchFamily="49" charset="0"/>
+              <a:cs typeface="Consolas" panose="020B0609020204030204" pitchFamily="49" charset="0"/>
+            </a:endParaRPr>
+          </a:p>
+          <a:p>
+            <a:endParaRPr lang="en-US" dirty="0"/>
+          </a:p>
+        </p:txBody>
+      </p:sp>
+    </p:spTree>
+    <p:extLst>
+      <p:ext uri="{BB962C8B-B14F-4D97-AF65-F5344CB8AC3E}">
+        <p14:creationId xmlns:p14="http://schemas.microsoft.com/office/powerpoint/2010/main" val="1238856488"/>
+      </p:ext>
+    </p:extLst>
+  </p:cSld>
+  <p:clrMapOvr>
+    <a:masterClrMapping/>
+  </p:clrMapOvr>
+  <mc:AlternateContent xmlns:mc="http://schemas.openxmlformats.org/markup-compatibility/2006" xmlns:p14="http://schemas.microsoft.com/office/powerpoint/2010/main">
+    <mc:Choice Requires="p14">
+      <p:transition spd="med" p14:dur="700">
+        <p:fade/>
+      </p:transition>
+    </mc:Choice>
+    <mc:Fallback xmlns="">
+      <p:transition spd="med">
+        <p:fade/>
+      </p:transition>
+    </mc:Fallback>
+  </mc:AlternateContent>
+</p:sld>
+</file>
+
+<file path=ppt/slides/slide15.xml><?xml version="1.0" encoding="utf-8"?>
+<p:sld xmlns:a="http://schemas.openxmlformats.org/drawingml/2006/main" xmlns:r="http://schemas.openxmlformats.org/officeDocument/2006/relationships" xmlns:p="http://schemas.openxmlformats.org/presentationml/2006/main">
+  <p:cSld>
+    <p:spTree>
+      <p:nvGrpSpPr>
+        <p:cNvPr id="1" name=""/>
+        <p:cNvGrpSpPr/>
+        <p:nvPr/>
+      </p:nvGrpSpPr>
+      <p:grpSpPr>
+        <a:xfrm>
+          <a:off x="0" y="0"/>
+          <a:ext cx="0" cy="0"/>
+          <a:chOff x="0" y="0"/>
+          <a:chExt cx="0" cy="0"/>
+        </a:xfrm>
+      </p:grpSpPr>
+      <p:sp>
+        <p:nvSpPr>
+          <p:cNvPr id="2" name="Title 1">
+            <a:extLst>
+              <a:ext uri="{FF2B5EF4-FFF2-40B4-BE49-F238E27FC236}">
                 <a16:creationId xmlns:a16="http://schemas.microsoft.com/office/drawing/2014/main" id="{B567C1B9-74E3-4578-9EBA-90CE63FDE701}"/>
               </a:ext>
             </a:extLst>
@@ -4005,7 +4183,7 @@
 </p:sld>
 </file>
 
-<file path=ppt/slides/slide15.xml><?xml version="1.0" encoding="utf-8"?>
+<file path=ppt/slides/slide16.xml><?xml version="1.0" encoding="utf-8"?>
 <p:sld xmlns:a="http://schemas.openxmlformats.org/drawingml/2006/main" xmlns:r="http://schemas.openxmlformats.org/officeDocument/2006/relationships" xmlns:p="http://schemas.openxmlformats.org/presentationml/2006/main">
   <p:cSld>
     <p:spTree>
@@ -5142,7 +5320,7 @@
 </p:sld>
 </file>
 
-<file path=ppt/slides/slide16.xml><?xml version="1.0" encoding="utf-8"?>
+<file path=ppt/slides/slide17.xml><?xml version="1.0" encoding="utf-8"?>
 <p:sld xmlns:a="http://schemas.openxmlformats.org/drawingml/2006/main" xmlns:r="http://schemas.openxmlformats.org/officeDocument/2006/relationships" xmlns:p="http://schemas.openxmlformats.org/presentationml/2006/main">
   <p:cSld>
     <p:spTree>
@@ -5228,315 +5406,6 @@
     <p:extLst>
       <p:ext uri="{BB962C8B-B14F-4D97-AF65-F5344CB8AC3E}">
         <p14:creationId xmlns:p14="http://schemas.microsoft.com/office/powerpoint/2010/main" val="481579249"/>
-      </p:ext>
-    </p:extLst>
-  </p:cSld>
-  <p:clrMapOvr>
-    <a:masterClrMapping/>
-  </p:clrMapOvr>
-  <mc:AlternateContent xmlns:mc="http://schemas.openxmlformats.org/markup-compatibility/2006" xmlns:p14="http://schemas.microsoft.com/office/powerpoint/2010/main">
-    <mc:Choice Requires="p14">
-      <p:transition spd="med" p14:dur="700">
-        <p:fade/>
-      </p:transition>
-    </mc:Choice>
-    <mc:Fallback xmlns="">
-      <p:transition spd="med">
-        <p:fade/>
-      </p:transition>
-    </mc:Fallback>
-  </mc:AlternateContent>
-</p:sld>
-</file>
-
-<file path=ppt/slides/slide17.xml><?xml version="1.0" encoding="utf-8"?>
-<p:sld xmlns:a="http://schemas.openxmlformats.org/drawingml/2006/main" xmlns:r="http://schemas.openxmlformats.org/officeDocument/2006/relationships" xmlns:p="http://schemas.openxmlformats.org/presentationml/2006/main">
-  <p:cSld>
-    <p:spTree>
-      <p:nvGrpSpPr>
-        <p:cNvPr id="1" name=""/>
-        <p:cNvGrpSpPr/>
-        <p:nvPr/>
-      </p:nvGrpSpPr>
-      <p:grpSpPr>
-        <a:xfrm>
-          <a:off x="0" y="0"/>
-          <a:ext cx="0" cy="0"/>
-          <a:chOff x="0" y="0"/>
-          <a:chExt cx="0" cy="0"/>
-        </a:xfrm>
-      </p:grpSpPr>
-      <p:sp>
-        <p:nvSpPr>
-          <p:cNvPr id="2" name="Title 1">
-            <a:extLst>
-              <a:ext uri="{FF2B5EF4-FFF2-40B4-BE49-F238E27FC236}">
-                <a16:creationId xmlns:a16="http://schemas.microsoft.com/office/drawing/2014/main" id="{0EF107E2-A84E-43D7-AE03-5836CCDA0A48}"/>
-              </a:ext>
-            </a:extLst>
-          </p:cNvPr>
-          <p:cNvSpPr>
-            <a:spLocks noGrp="1"/>
-          </p:cNvSpPr>
-          <p:nvPr>
-            <p:ph type="title"/>
-          </p:nvPr>
-        </p:nvSpPr>
-        <p:spPr/>
-        <p:txBody>
-          <a:bodyPr>
-            <a:normAutofit fontScale="90000"/>
-          </a:bodyPr>
-          <a:lstStyle/>
-          <a:p>
-            <a:r>
-              <a:rPr lang="en-CA" dirty="0"/>
-              <a:t>Branching Code</a:t>
-            </a:r>
-          </a:p>
-        </p:txBody>
-      </p:sp>
-      <p:sp>
-        <p:nvSpPr>
-          <p:cNvPr id="3" name="Content Placeholder 2">
-            <a:extLst>
-              <a:ext uri="{FF2B5EF4-FFF2-40B4-BE49-F238E27FC236}">
-                <a16:creationId xmlns:a16="http://schemas.microsoft.com/office/drawing/2014/main" id="{BBB0481F-894C-4CF1-AF84-1BA43EC45259}"/>
-              </a:ext>
-            </a:extLst>
-          </p:cNvPr>
-          <p:cNvSpPr>
-            <a:spLocks noGrp="1"/>
-          </p:cNvSpPr>
-          <p:nvPr>
-            <p:ph sz="quarter" idx="10"/>
-          </p:nvPr>
-        </p:nvSpPr>
-        <p:spPr>
-          <a:xfrm>
-            <a:off x="1979613" y="1447808"/>
-            <a:ext cx="10148220" cy="4648192"/>
-          </a:xfrm>
-        </p:spPr>
-        <p:txBody>
-          <a:bodyPr/>
-          <a:lstStyle/>
-          <a:p>
-            <a:r>
-              <a:rPr lang="en-CA" dirty="0"/>
-              <a:t>if:</a:t>
-            </a:r>
-          </a:p>
-          <a:p>
-            <a:pPr marL="0" indent="0">
-              <a:spcBef>
-                <a:spcPts val="0"/>
-              </a:spcBef>
-              <a:buNone/>
-            </a:pPr>
-            <a:r>
-              <a:rPr lang="en-US" sz="2800" dirty="0">
-                <a:effectLst/>
-                <a:latin typeface="Consolas" panose="020B0609020204030204" pitchFamily="49" charset="0"/>
-                <a:cs typeface="Consolas" panose="020B0609020204030204" pitchFamily="49" charset="0"/>
-              </a:rPr>
-              <a:t>  </a:t>
-            </a:r>
-            <a:r>
-              <a:rPr lang="en-US" sz="2400" dirty="0">
-                <a:effectLst/>
-                <a:latin typeface="Consolas" panose="020B0609020204030204" pitchFamily="49" charset="0"/>
-                <a:cs typeface="Consolas" panose="020B0609020204030204" pitchFamily="49" charset="0"/>
-              </a:rPr>
-              <a:t>if (some condition)</a:t>
-            </a:r>
-          </a:p>
-          <a:p>
-            <a:pPr marL="0" indent="0">
-              <a:spcBef>
-                <a:spcPts val="0"/>
-              </a:spcBef>
-              <a:buNone/>
-            </a:pPr>
-            <a:r>
-              <a:rPr lang="en-US" sz="2400" dirty="0">
-                <a:effectLst/>
-                <a:latin typeface="Consolas" panose="020B0609020204030204" pitchFamily="49" charset="0"/>
-                <a:cs typeface="Consolas" panose="020B0609020204030204" pitchFamily="49" charset="0"/>
-              </a:rPr>
-              <a:t>  {</a:t>
-            </a:r>
-          </a:p>
-          <a:p>
-            <a:pPr marL="0" indent="0">
-              <a:spcBef>
-                <a:spcPts val="0"/>
-              </a:spcBef>
-              <a:buNone/>
-            </a:pPr>
-            <a:r>
-              <a:rPr lang="en-US" sz="2400" dirty="0">
-                <a:effectLst/>
-                <a:latin typeface="Consolas" panose="020B0609020204030204" pitchFamily="49" charset="0"/>
-                <a:cs typeface="Consolas" panose="020B0609020204030204" pitchFamily="49" charset="0"/>
-              </a:rPr>
-              <a:t>    statement(s)</a:t>
-            </a:r>
-          </a:p>
-          <a:p>
-            <a:pPr marL="0" indent="0">
-              <a:spcBef>
-                <a:spcPts val="0"/>
-              </a:spcBef>
-              <a:buNone/>
-            </a:pPr>
-            <a:r>
-              <a:rPr lang="en-US" sz="2400" dirty="0">
-                <a:effectLst/>
-                <a:latin typeface="Consolas" panose="020B0609020204030204" pitchFamily="49" charset="0"/>
-                <a:cs typeface="Consolas" panose="020B0609020204030204" pitchFamily="49" charset="0"/>
-              </a:rPr>
-              <a:t>  }</a:t>
-            </a:r>
-          </a:p>
-          <a:p>
-            <a:pPr marL="0" indent="0">
-              <a:spcBef>
-                <a:spcPts val="0"/>
-              </a:spcBef>
-              <a:buNone/>
-            </a:pPr>
-            <a:r>
-              <a:rPr lang="en-US" sz="2400" dirty="0">
-                <a:effectLst/>
-                <a:latin typeface="Consolas" panose="020B0609020204030204" pitchFamily="49" charset="0"/>
-                <a:cs typeface="Consolas" panose="020B0609020204030204" pitchFamily="49" charset="0"/>
-              </a:rPr>
-              <a:t>  elseif (some condition)</a:t>
-            </a:r>
-          </a:p>
-          <a:p>
-            <a:pPr marL="0" indent="0">
-              <a:spcBef>
-                <a:spcPts val="0"/>
-              </a:spcBef>
-              <a:buNone/>
-            </a:pPr>
-            <a:r>
-              <a:rPr lang="en-US" sz="2400" dirty="0">
-                <a:effectLst/>
-                <a:latin typeface="Consolas" panose="020B0609020204030204" pitchFamily="49" charset="0"/>
-                <a:cs typeface="Consolas" panose="020B0609020204030204" pitchFamily="49" charset="0"/>
-              </a:rPr>
-              <a:t>  {</a:t>
-            </a:r>
-          </a:p>
-          <a:p>
-            <a:pPr marL="0" indent="0">
-              <a:spcBef>
-                <a:spcPts val="0"/>
-              </a:spcBef>
-              <a:buNone/>
-            </a:pPr>
-            <a:r>
-              <a:rPr lang="en-US" sz="2400" dirty="0">
-                <a:effectLst/>
-                <a:latin typeface="Consolas" panose="020B0609020204030204" pitchFamily="49" charset="0"/>
-                <a:cs typeface="Consolas" panose="020B0609020204030204" pitchFamily="49" charset="0"/>
-              </a:rPr>
-              <a:t>    statement(s)</a:t>
-            </a:r>
-          </a:p>
-          <a:p>
-            <a:pPr marL="0" indent="0">
-              <a:spcBef>
-                <a:spcPts val="0"/>
-              </a:spcBef>
-              <a:buNone/>
-            </a:pPr>
-            <a:r>
-              <a:rPr lang="en-US" sz="2400" dirty="0">
-                <a:effectLst/>
-                <a:latin typeface="Consolas" panose="020B0609020204030204" pitchFamily="49" charset="0"/>
-                <a:cs typeface="Consolas" panose="020B0609020204030204" pitchFamily="49" charset="0"/>
-              </a:rPr>
-              <a:t>  }</a:t>
-            </a:r>
-          </a:p>
-          <a:p>
-            <a:pPr marL="0" indent="0">
-              <a:spcBef>
-                <a:spcPts val="0"/>
-              </a:spcBef>
-              <a:buNone/>
-            </a:pPr>
-            <a:r>
-              <a:rPr lang="en-US" sz="2400" dirty="0">
-                <a:effectLst/>
-                <a:latin typeface="Consolas" panose="020B0609020204030204" pitchFamily="49" charset="0"/>
-                <a:cs typeface="Consolas" panose="020B0609020204030204" pitchFamily="49" charset="0"/>
-              </a:rPr>
-              <a:t>  else</a:t>
-            </a:r>
-          </a:p>
-          <a:p>
-            <a:pPr marL="0" indent="0">
-              <a:spcBef>
-                <a:spcPts val="0"/>
-              </a:spcBef>
-              <a:buNone/>
-            </a:pPr>
-            <a:r>
-              <a:rPr lang="en-US" sz="2400" dirty="0">
-                <a:effectLst/>
-                <a:latin typeface="Consolas" panose="020B0609020204030204" pitchFamily="49" charset="0"/>
-                <a:cs typeface="Consolas" panose="020B0609020204030204" pitchFamily="49" charset="0"/>
-              </a:rPr>
-              <a:t>  {</a:t>
-            </a:r>
-          </a:p>
-          <a:p>
-            <a:pPr marL="0" indent="0">
-              <a:spcBef>
-                <a:spcPts val="0"/>
-              </a:spcBef>
-              <a:buNone/>
-            </a:pPr>
-            <a:r>
-              <a:rPr lang="en-US" sz="2400" dirty="0">
-                <a:effectLst/>
-                <a:latin typeface="Consolas" panose="020B0609020204030204" pitchFamily="49" charset="0"/>
-                <a:cs typeface="Consolas" panose="020B0609020204030204" pitchFamily="49" charset="0"/>
-              </a:rPr>
-              <a:t>    statement(s)</a:t>
-            </a:r>
-          </a:p>
-          <a:p>
-            <a:pPr marL="0" indent="0">
-              <a:spcBef>
-                <a:spcPts val="0"/>
-              </a:spcBef>
-              <a:buNone/>
-            </a:pPr>
-            <a:r>
-              <a:rPr lang="en-US" sz="2400" dirty="0">
-                <a:effectLst/>
-                <a:latin typeface="Consolas" panose="020B0609020204030204" pitchFamily="49" charset="0"/>
-                <a:cs typeface="Consolas" panose="020B0609020204030204" pitchFamily="49" charset="0"/>
-              </a:rPr>
-              <a:t>  }</a:t>
-            </a:r>
-            <a:endParaRPr lang="en-US" sz="2400" dirty="0">
-              <a:latin typeface="Consolas" panose="020B0609020204030204" pitchFamily="49" charset="0"/>
-              <a:cs typeface="Consolas" panose="020B0609020204030204" pitchFamily="49" charset="0"/>
-            </a:endParaRPr>
-          </a:p>
-        </p:txBody>
-      </p:sp>
-    </p:spTree>
-    <p:extLst>
-      <p:ext uri="{BB962C8B-B14F-4D97-AF65-F5344CB8AC3E}">
-        <p14:creationId xmlns:p14="http://schemas.microsoft.com/office/powerpoint/2010/main" val="1646428070"/>
       </p:ext>
     </p:extLst>
   </p:cSld>
@@ -5580,7 +5449,7 @@
           <p:cNvPr id="2" name="Title 1">
             <a:extLst>
               <a:ext uri="{FF2B5EF4-FFF2-40B4-BE49-F238E27FC236}">
-                <a16:creationId xmlns:a16="http://schemas.microsoft.com/office/drawing/2014/main" id="{09C0AD99-4774-419A-8B22-CC8F06579691}"/>
+                <a16:creationId xmlns:a16="http://schemas.microsoft.com/office/drawing/2014/main" id="{0EF107E2-A84E-43D7-AE03-5836CCDA0A48}"/>
               </a:ext>
             </a:extLst>
           </p:cNvPr>
@@ -5600,7 +5469,7 @@
           <a:p>
             <a:r>
               <a:rPr lang="en-CA" dirty="0"/>
-              <a:t>Branching Code (continued)</a:t>
+              <a:t>Branching Code</a:t>
             </a:r>
           </a:p>
         </p:txBody>
@@ -5610,7 +5479,7 @@
           <p:cNvPr id="3" name="Content Placeholder 2">
             <a:extLst>
               <a:ext uri="{FF2B5EF4-FFF2-40B4-BE49-F238E27FC236}">
-                <a16:creationId xmlns:a16="http://schemas.microsoft.com/office/drawing/2014/main" id="{8B22A9AB-F507-47A8-866B-8ED8B6DADD28}"/>
+                <a16:creationId xmlns:a16="http://schemas.microsoft.com/office/drawing/2014/main" id="{BBB0481F-894C-4CF1-AF84-1BA43EC45259}"/>
               </a:ext>
             </a:extLst>
           </p:cNvPr>
@@ -5621,14 +5490,19 @@
             <p:ph sz="quarter" idx="10"/>
           </p:nvPr>
         </p:nvSpPr>
-        <p:spPr/>
+        <p:spPr>
+          <a:xfrm>
+            <a:off x="1979613" y="1447808"/>
+            <a:ext cx="10148220" cy="4648192"/>
+          </a:xfrm>
+        </p:spPr>
         <p:txBody>
           <a:bodyPr/>
           <a:lstStyle/>
           <a:p>
             <a:r>
               <a:rPr lang="en-CA" dirty="0"/>
-              <a:t>switch:</a:t>
+              <a:t>if:</a:t>
             </a:r>
           </a:p>
           <a:p>
@@ -5652,7 +5526,7 @@
                 <a:latin typeface="Consolas" panose="020B0609020204030204" pitchFamily="49" charset="0"/>
                 <a:cs typeface="Consolas" panose="020B0609020204030204" pitchFamily="49" charset="0"/>
               </a:rPr>
-              <a:t>switch (expression)</a:t>
+              <a:t>if (some condition)</a:t>
             </a:r>
           </a:p>
           <a:p>
@@ -5684,7 +5558,7 @@
                 <a:latin typeface="Consolas" panose="020B0609020204030204" pitchFamily="49" charset="0"/>
                 <a:cs typeface="Consolas" panose="020B0609020204030204" pitchFamily="49" charset="0"/>
               </a:rPr>
-              <a:t>    value1</a:t>
+              <a:t>    statement(s)</a:t>
             </a:r>
           </a:p>
           <a:p>
@@ -5700,7 +5574,7 @@
                 <a:latin typeface="Consolas" panose="020B0609020204030204" pitchFamily="49" charset="0"/>
                 <a:cs typeface="Consolas" panose="020B0609020204030204" pitchFamily="49" charset="0"/>
               </a:rPr>
-              <a:t>    {</a:t>
+              <a:t>  }</a:t>
             </a:r>
           </a:p>
           <a:p>
@@ -5716,7 +5590,7 @@
                 <a:latin typeface="Consolas" panose="020B0609020204030204" pitchFamily="49" charset="0"/>
                 <a:cs typeface="Consolas" panose="020B0609020204030204" pitchFamily="49" charset="0"/>
               </a:rPr>
-              <a:t>      statement(s)</a:t>
+              <a:t>  elseif (some condition)</a:t>
             </a:r>
           </a:p>
           <a:p>
@@ -5732,7 +5606,7 @@
                 <a:latin typeface="Consolas" panose="020B0609020204030204" pitchFamily="49" charset="0"/>
                 <a:cs typeface="Consolas" panose="020B0609020204030204" pitchFamily="49" charset="0"/>
               </a:rPr>
-              <a:t>    }</a:t>
+              <a:t>  {</a:t>
             </a:r>
           </a:p>
           <a:p>
@@ -5748,7 +5622,7 @@
                 <a:latin typeface="Consolas" panose="020B0609020204030204" pitchFamily="49" charset="0"/>
                 <a:cs typeface="Consolas" panose="020B0609020204030204" pitchFamily="49" charset="0"/>
               </a:rPr>
-              <a:t>    default</a:t>
+              <a:t>    statement(s)</a:t>
             </a:r>
           </a:p>
           <a:p>
@@ -5764,7 +5638,7 @@
                 <a:latin typeface="Consolas" panose="020B0609020204030204" pitchFamily="49" charset="0"/>
                 <a:cs typeface="Consolas" panose="020B0609020204030204" pitchFamily="49" charset="0"/>
               </a:rPr>
-              <a:t>    {</a:t>
+              <a:t>  }</a:t>
             </a:r>
           </a:p>
           <a:p>
@@ -5780,7 +5654,7 @@
                 <a:latin typeface="Consolas" panose="020B0609020204030204" pitchFamily="49" charset="0"/>
                 <a:cs typeface="Consolas" panose="020B0609020204030204" pitchFamily="49" charset="0"/>
               </a:rPr>
-              <a:t>      statement(s)</a:t>
+              <a:t>  else</a:t>
             </a:r>
           </a:p>
           <a:p>
@@ -5796,7 +5670,7 @@
                 <a:latin typeface="Consolas" panose="020B0609020204030204" pitchFamily="49" charset="0"/>
                 <a:cs typeface="Consolas" panose="020B0609020204030204" pitchFamily="49" charset="0"/>
               </a:rPr>
-              <a:t>    }</a:t>
+              <a:t>  {</a:t>
             </a:r>
           </a:p>
           <a:p>
@@ -5812,6 +5686,22 @@
                 <a:latin typeface="Consolas" panose="020B0609020204030204" pitchFamily="49" charset="0"/>
                 <a:cs typeface="Consolas" panose="020B0609020204030204" pitchFamily="49" charset="0"/>
               </a:rPr>
+              <a:t>    statement(s)</a:t>
+            </a:r>
+          </a:p>
+          <a:p>
+            <a:pPr marL="0" indent="0">
+              <a:spcBef>
+                <a:spcPts val="0"/>
+              </a:spcBef>
+              <a:buNone/>
+            </a:pPr>
+            <a:r>
+              <a:rPr lang="en-US" sz="2400" dirty="0">
+                <a:effectLst/>
+                <a:latin typeface="Consolas" panose="020B0609020204030204" pitchFamily="49" charset="0"/>
+                <a:cs typeface="Consolas" panose="020B0609020204030204" pitchFamily="49" charset="0"/>
+              </a:rPr>
               <a:t>  }</a:t>
             </a:r>
             <a:endParaRPr lang="en-US" sz="2400" dirty="0">
@@ -5824,7 +5714,7 @@
     </p:spTree>
     <p:extLst>
       <p:ext uri="{BB962C8B-B14F-4D97-AF65-F5344CB8AC3E}">
-        <p14:creationId xmlns:p14="http://schemas.microsoft.com/office/powerpoint/2010/main" val="277700311"/>
+        <p14:creationId xmlns:p14="http://schemas.microsoft.com/office/powerpoint/2010/main" val="1646428070"/>
       </p:ext>
     </p:extLst>
   </p:cSld>
@@ -5868,7 +5758,7 @@
           <p:cNvPr id="2" name="Title 1">
             <a:extLst>
               <a:ext uri="{FF2B5EF4-FFF2-40B4-BE49-F238E27FC236}">
-                <a16:creationId xmlns:a16="http://schemas.microsoft.com/office/drawing/2014/main" id="{B5BC2D75-9A2C-465A-A6AD-C82B1BAF4DFE}"/>
+                <a16:creationId xmlns:a16="http://schemas.microsoft.com/office/drawing/2014/main" id="{09C0AD99-4774-419A-8B22-CC8F06579691}"/>
               </a:ext>
             </a:extLst>
           </p:cNvPr>
@@ -5888,7 +5778,7 @@
           <a:p>
             <a:r>
               <a:rPr lang="en-CA" dirty="0"/>
-              <a:t>Loops</a:t>
+              <a:t>Branching Code (continued)</a:t>
             </a:r>
           </a:p>
         </p:txBody>
@@ -5898,7 +5788,7 @@
           <p:cNvPr id="3" name="Content Placeholder 2">
             <a:extLst>
               <a:ext uri="{FF2B5EF4-FFF2-40B4-BE49-F238E27FC236}">
-                <a16:creationId xmlns:a16="http://schemas.microsoft.com/office/drawing/2014/main" id="{7D56E443-A061-43D7-8200-7D10A1228810}"/>
+                <a16:creationId xmlns:a16="http://schemas.microsoft.com/office/drawing/2014/main" id="{8B22A9AB-F507-47A8-866B-8ED8B6DADD28}"/>
               </a:ext>
             </a:extLst>
           </p:cNvPr>
@@ -5916,12 +5806,8 @@
           <a:p>
             <a:r>
               <a:rPr lang="en-CA" dirty="0"/>
-              <a:t>do while/while:</a:t>
-            </a:r>
-            <a:br>
-              <a:rPr lang="en-CA" dirty="0"/>
-            </a:br>
-            <a:endParaRPr lang="en-CA" dirty="0"/>
+              <a:t>switch:</a:t>
+            </a:r>
           </a:p>
           <a:p>
             <a:pPr marL="0" indent="0">
@@ -5931,28 +5817,20 @@
               <a:buNone/>
             </a:pPr>
             <a:r>
+              <a:rPr lang="en-US" sz="2800" dirty="0">
+                <a:effectLst/>
+                <a:latin typeface="Consolas" panose="020B0609020204030204" pitchFamily="49" charset="0"/>
+                <a:cs typeface="Consolas" panose="020B0609020204030204" pitchFamily="49" charset="0"/>
+              </a:rPr>
+              <a:t>  </a:t>
+            </a:r>
+            <a:r>
               <a:rPr lang="en-US" sz="2400" dirty="0">
                 <a:effectLst/>
                 <a:latin typeface="Consolas" panose="020B0609020204030204" pitchFamily="49" charset="0"/>
                 <a:cs typeface="Consolas" panose="020B0609020204030204" pitchFamily="49" charset="0"/>
               </a:rPr>
-              <a:t>  $</a:t>
-            </a:r>
-            <a:r>
-              <a:rPr lang="en-US" sz="2400" dirty="0" err="1">
-                <a:effectLst/>
-                <a:latin typeface="Consolas" panose="020B0609020204030204" pitchFamily="49" charset="0"/>
-                <a:cs typeface="Consolas" panose="020B0609020204030204" pitchFamily="49" charset="0"/>
-              </a:rPr>
-              <a:t>i</a:t>
-            </a:r>
-            <a:r>
-              <a:rPr lang="en-US" sz="2400" dirty="0">
-                <a:effectLst/>
-                <a:latin typeface="Consolas" panose="020B0609020204030204" pitchFamily="49" charset="0"/>
-                <a:cs typeface="Consolas" panose="020B0609020204030204" pitchFamily="49" charset="0"/>
-              </a:rPr>
-              <a:t> = 1</a:t>
+              <a:t>switch (expression)</a:t>
             </a:r>
           </a:p>
           <a:p>
@@ -5968,7 +5846,7 @@
                 <a:latin typeface="Consolas" panose="020B0609020204030204" pitchFamily="49" charset="0"/>
                 <a:cs typeface="Consolas" panose="020B0609020204030204" pitchFamily="49" charset="0"/>
               </a:rPr>
-              <a:t>  do</a:t>
+              <a:t>  {</a:t>
             </a:r>
           </a:p>
           <a:p>
@@ -5984,7 +5862,7 @@
                 <a:latin typeface="Consolas" panose="020B0609020204030204" pitchFamily="49" charset="0"/>
                 <a:cs typeface="Consolas" panose="020B0609020204030204" pitchFamily="49" charset="0"/>
               </a:rPr>
-              <a:t>  {</a:t>
+              <a:t>    value1</a:t>
             </a:r>
           </a:p>
           <a:p>
@@ -6000,21 +5878,8 @@
                 <a:latin typeface="Consolas" panose="020B0609020204030204" pitchFamily="49" charset="0"/>
                 <a:cs typeface="Consolas" panose="020B0609020204030204" pitchFamily="49" charset="0"/>
               </a:rPr>
-              <a:t>    Write-Host $</a:t>
-            </a:r>
-            <a:r>
-              <a:rPr lang="en-US" sz="2400" dirty="0" err="1">
-                <a:effectLst/>
-                <a:latin typeface="Consolas" panose="020B0609020204030204" pitchFamily="49" charset="0"/>
-                <a:cs typeface="Consolas" panose="020B0609020204030204" pitchFamily="49" charset="0"/>
-              </a:rPr>
-              <a:t>i</a:t>
-            </a:r>
-            <a:endParaRPr lang="en-US" sz="2400" dirty="0">
-              <a:effectLst/>
-              <a:latin typeface="Consolas" panose="020B0609020204030204" pitchFamily="49" charset="0"/>
-              <a:cs typeface="Consolas" panose="020B0609020204030204" pitchFamily="49" charset="0"/>
-            </a:endParaRPr>
+              <a:t>    {</a:t>
+            </a:r>
           </a:p>
           <a:p>
             <a:pPr marL="0" indent="0">
@@ -6029,23 +5894,7 @@
                 <a:latin typeface="Consolas" panose="020B0609020204030204" pitchFamily="49" charset="0"/>
                 <a:cs typeface="Consolas" panose="020B0609020204030204" pitchFamily="49" charset="0"/>
               </a:rPr>
-              <a:t>    $</a:t>
-            </a:r>
-            <a:r>
-              <a:rPr lang="en-US" sz="2400" dirty="0" err="1">
-                <a:effectLst/>
-                <a:latin typeface="Consolas" panose="020B0609020204030204" pitchFamily="49" charset="0"/>
-                <a:cs typeface="Consolas" panose="020B0609020204030204" pitchFamily="49" charset="0"/>
-              </a:rPr>
-              <a:t>i</a:t>
-            </a:r>
-            <a:r>
-              <a:rPr lang="en-US" sz="2400" dirty="0">
-                <a:effectLst/>
-                <a:latin typeface="Consolas" panose="020B0609020204030204" pitchFamily="49" charset="0"/>
-                <a:cs typeface="Consolas" panose="020B0609020204030204" pitchFamily="49" charset="0"/>
-              </a:rPr>
-              <a:t>++</a:t>
+              <a:t>      statement(s)</a:t>
             </a:r>
           </a:p>
           <a:p>
@@ -6061,7 +5910,7 @@
                 <a:latin typeface="Consolas" panose="020B0609020204030204" pitchFamily="49" charset="0"/>
                 <a:cs typeface="Consolas" panose="020B0609020204030204" pitchFamily="49" charset="0"/>
               </a:rPr>
-              <a:t>  }</a:t>
+              <a:t>    }</a:t>
             </a:r>
           </a:p>
           <a:p>
@@ -6077,23 +5926,71 @@
                 <a:latin typeface="Consolas" panose="020B0609020204030204" pitchFamily="49" charset="0"/>
                 <a:cs typeface="Consolas" panose="020B0609020204030204" pitchFamily="49" charset="0"/>
               </a:rPr>
-              <a:t>  while ($</a:t>
-            </a:r>
-            <a:r>
-              <a:rPr lang="en-US" sz="2400" dirty="0" err="1">
-                <a:effectLst/>
-                <a:latin typeface="Consolas" panose="020B0609020204030204" pitchFamily="49" charset="0"/>
-                <a:cs typeface="Consolas" panose="020B0609020204030204" pitchFamily="49" charset="0"/>
-              </a:rPr>
-              <a:t>i</a:t>
-            </a:r>
+              <a:t>    default</a:t>
+            </a:r>
+          </a:p>
+          <a:p>
+            <a:pPr marL="0" indent="0">
+              <a:spcBef>
+                <a:spcPts val="0"/>
+              </a:spcBef>
+              <a:buNone/>
+            </a:pPr>
             <a:r>
               <a:rPr lang="en-US" sz="2400" dirty="0">
                 <a:effectLst/>
                 <a:latin typeface="Consolas" panose="020B0609020204030204" pitchFamily="49" charset="0"/>
                 <a:cs typeface="Consolas" panose="020B0609020204030204" pitchFamily="49" charset="0"/>
               </a:rPr>
-              <a:t> -le 5)</a:t>
+              <a:t>    {</a:t>
+            </a:r>
+          </a:p>
+          <a:p>
+            <a:pPr marL="0" indent="0">
+              <a:spcBef>
+                <a:spcPts val="0"/>
+              </a:spcBef>
+              <a:buNone/>
+            </a:pPr>
+            <a:r>
+              <a:rPr lang="en-US" sz="2400" dirty="0">
+                <a:effectLst/>
+                <a:latin typeface="Consolas" panose="020B0609020204030204" pitchFamily="49" charset="0"/>
+                <a:cs typeface="Consolas" panose="020B0609020204030204" pitchFamily="49" charset="0"/>
+              </a:rPr>
+              <a:t>      statement(s)</a:t>
+            </a:r>
+          </a:p>
+          <a:p>
+            <a:pPr marL="0" indent="0">
+              <a:spcBef>
+                <a:spcPts val="0"/>
+              </a:spcBef>
+              <a:buNone/>
+            </a:pPr>
+            <a:r>
+              <a:rPr lang="en-US" sz="2400" dirty="0">
+                <a:effectLst/>
+                <a:latin typeface="Consolas" panose="020B0609020204030204" pitchFamily="49" charset="0"/>
+                <a:cs typeface="Consolas" panose="020B0609020204030204" pitchFamily="49" charset="0"/>
+              </a:rPr>
+              <a:t>    }</a:t>
+            </a:r>
+          </a:p>
+          <a:p>
+            <a:pPr marL="0" indent="0">
+              <a:spcBef>
+                <a:spcPts val="0"/>
+              </a:spcBef>
+              <a:buNone/>
+            </a:pPr>
+            <a:r>
+              <a:rPr lang="en-US" sz="2400" dirty="0">
+                <a:effectLst/>
+                <a:latin typeface="Consolas" panose="020B0609020204030204" pitchFamily="49" charset="0"/>
+                <a:cs typeface="Consolas" panose="020B0609020204030204" pitchFamily="49" charset="0"/>
+              </a:rPr>
+              <a:t>  }</a:t>
             </a:r>
             <a:endParaRPr lang="en-US" sz="2400" dirty="0">
               <a:latin typeface="Consolas" panose="020B0609020204030204" pitchFamily="49" charset="0"/>
@@ -6105,7 +6002,7 @@
     </p:spTree>
     <p:extLst>
       <p:ext uri="{BB962C8B-B14F-4D97-AF65-F5344CB8AC3E}">
-        <p14:creationId xmlns:p14="http://schemas.microsoft.com/office/powerpoint/2010/main" val="1910207222"/>
+        <p14:creationId xmlns:p14="http://schemas.microsoft.com/office/powerpoint/2010/main" val="277700311"/>
       </p:ext>
     </p:extLst>
   </p:cSld>
@@ -6414,7 +6311,7 @@
           <p:cNvPr id="2" name="Title 1">
             <a:extLst>
               <a:ext uri="{FF2B5EF4-FFF2-40B4-BE49-F238E27FC236}">
-                <a16:creationId xmlns:a16="http://schemas.microsoft.com/office/drawing/2014/main" id="{0E7FB68B-3491-47D9-B3FB-18A4163F7961}"/>
+                <a16:creationId xmlns:a16="http://schemas.microsoft.com/office/drawing/2014/main" id="{B5BC2D75-9A2C-465A-A6AD-C82B1BAF4DFE}"/>
               </a:ext>
             </a:extLst>
           </p:cNvPr>
@@ -6434,7 +6331,7 @@
           <a:p>
             <a:r>
               <a:rPr lang="en-CA" dirty="0"/>
-              <a:t>Loops (continued)</a:t>
+              <a:t>Loops</a:t>
             </a:r>
           </a:p>
         </p:txBody>
@@ -6444,7 +6341,7 @@
           <p:cNvPr id="3" name="Content Placeholder 2">
             <a:extLst>
               <a:ext uri="{FF2B5EF4-FFF2-40B4-BE49-F238E27FC236}">
-                <a16:creationId xmlns:a16="http://schemas.microsoft.com/office/drawing/2014/main" id="{09D51F9D-22C4-4136-8E16-843C733752F3}"/>
+                <a16:creationId xmlns:a16="http://schemas.microsoft.com/office/drawing/2014/main" id="{7D56E443-A061-43D7-8200-7D10A1228810}"/>
               </a:ext>
             </a:extLst>
           </p:cNvPr>
@@ -6461,13 +6358,13 @@
           <a:lstStyle/>
           <a:p>
             <a:r>
-              <a:rPr lang="en-CA" sz="2800" dirty="0"/>
-              <a:t>do until:</a:t>
+              <a:rPr lang="en-CA" dirty="0"/>
+              <a:t>do while/while:</a:t>
             </a:r>
             <a:br>
-              <a:rPr lang="en-CA" sz="2800" dirty="0"/>
+              <a:rPr lang="en-CA" dirty="0"/>
             </a:br>
-            <a:endParaRPr lang="en-CA" sz="2800" dirty="0"/>
+            <a:endParaRPr lang="en-CA" dirty="0"/>
           </a:p>
           <a:p>
             <a:pPr marL="0" indent="0">
@@ -6623,7 +6520,7 @@
                 <a:latin typeface="Consolas" panose="020B0609020204030204" pitchFamily="49" charset="0"/>
                 <a:cs typeface="Consolas" panose="020B0609020204030204" pitchFamily="49" charset="0"/>
               </a:rPr>
-              <a:t>  until ($</a:t>
+              <a:t>  while ($</a:t>
             </a:r>
             <a:r>
               <a:rPr lang="en-US" sz="2400" dirty="0" err="1">
@@ -6639,23 +6536,7 @@
                 <a:latin typeface="Consolas" panose="020B0609020204030204" pitchFamily="49" charset="0"/>
                 <a:cs typeface="Consolas" panose="020B0609020204030204" pitchFamily="49" charset="0"/>
               </a:rPr>
-              <a:t> -</a:t>
-            </a:r>
-            <a:r>
-              <a:rPr lang="en-US" sz="2400" dirty="0" err="1">
-                <a:effectLst/>
-                <a:latin typeface="Consolas" panose="020B0609020204030204" pitchFamily="49" charset="0"/>
-                <a:cs typeface="Consolas" panose="020B0609020204030204" pitchFamily="49" charset="0"/>
-              </a:rPr>
-              <a:t>gt</a:t>
-            </a:r>
-            <a:r>
-              <a:rPr lang="en-US" sz="2400" dirty="0">
-                <a:effectLst/>
-                <a:latin typeface="Consolas" panose="020B0609020204030204" pitchFamily="49" charset="0"/>
-                <a:cs typeface="Consolas" panose="020B0609020204030204" pitchFamily="49" charset="0"/>
-              </a:rPr>
-              <a:t> 5)</a:t>
+              <a:t> -le 5)</a:t>
             </a:r>
             <a:endParaRPr lang="en-US" sz="2400" dirty="0">
               <a:latin typeface="Consolas" panose="020B0609020204030204" pitchFamily="49" charset="0"/>
@@ -6667,7 +6548,7 @@
     </p:spTree>
     <p:extLst>
       <p:ext uri="{BB962C8B-B14F-4D97-AF65-F5344CB8AC3E}">
-        <p14:creationId xmlns:p14="http://schemas.microsoft.com/office/powerpoint/2010/main" val="10584901"/>
+        <p14:creationId xmlns:p14="http://schemas.microsoft.com/office/powerpoint/2010/main" val="1910207222"/>
       </p:ext>
     </p:extLst>
   </p:cSld>
@@ -6711,7 +6592,7 @@
           <p:cNvPr id="2" name="Title 1">
             <a:extLst>
               <a:ext uri="{FF2B5EF4-FFF2-40B4-BE49-F238E27FC236}">
-                <a16:creationId xmlns:a16="http://schemas.microsoft.com/office/drawing/2014/main" id="{C50C90B9-54BA-442F-8C59-E2C47E241D5F}"/>
+                <a16:creationId xmlns:a16="http://schemas.microsoft.com/office/drawing/2014/main" id="{0E7FB68B-3491-47D9-B3FB-18A4163F7961}"/>
               </a:ext>
             </a:extLst>
           </p:cNvPr>
@@ -6741,7 +6622,7 @@
           <p:cNvPr id="3" name="Content Placeholder 2">
             <a:extLst>
               <a:ext uri="{FF2B5EF4-FFF2-40B4-BE49-F238E27FC236}">
-                <a16:creationId xmlns:a16="http://schemas.microsoft.com/office/drawing/2014/main" id="{E55D6018-61C4-4429-976F-67CF34A70E30}"/>
+                <a16:creationId xmlns:a16="http://schemas.microsoft.com/office/drawing/2014/main" id="{09D51F9D-22C4-4136-8E16-843C733752F3}"/>
               </a:ext>
             </a:extLst>
           </p:cNvPr>
@@ -6752,24 +6633,19 @@
             <p:ph sz="quarter" idx="10"/>
           </p:nvPr>
         </p:nvSpPr>
-        <p:spPr>
-          <a:xfrm>
-            <a:off x="1979612" y="1447808"/>
-            <a:ext cx="10209213" cy="4648192"/>
-          </a:xfrm>
-        </p:spPr>
+        <p:spPr/>
         <p:txBody>
           <a:bodyPr/>
           <a:lstStyle/>
           <a:p>
             <a:r>
-              <a:rPr lang="en-CA" sz="2400" dirty="0"/>
-              <a:t>for:</a:t>
+              <a:rPr lang="en-CA" sz="2800" dirty="0"/>
+              <a:t>do until:</a:t>
             </a:r>
             <a:br>
-              <a:rPr lang="en-CA" sz="2400" dirty="0"/>
+              <a:rPr lang="en-CA" sz="2800" dirty="0"/>
             </a:br>
-            <a:endParaRPr lang="en-CA" sz="2400" dirty="0"/>
+            <a:endParaRPr lang="en-CA" sz="2800" dirty="0"/>
           </a:p>
           <a:p>
             <a:pPr marL="0" indent="0">
@@ -6784,7 +6660,7 @@
                 <a:latin typeface="Consolas" panose="020B0609020204030204" pitchFamily="49" charset="0"/>
                 <a:cs typeface="Consolas" panose="020B0609020204030204" pitchFamily="49" charset="0"/>
               </a:rPr>
-              <a:t>  for ($</a:t>
+              <a:t>  $</a:t>
             </a:r>
             <a:r>
               <a:rPr lang="en-US" sz="2400" dirty="0" err="1">
@@ -6800,7 +6676,55 @@
                 <a:latin typeface="Consolas" panose="020B0609020204030204" pitchFamily="49" charset="0"/>
                 <a:cs typeface="Consolas" panose="020B0609020204030204" pitchFamily="49" charset="0"/>
               </a:rPr>
-              <a:t> = 1; $</a:t>
+              <a:t> = 1</a:t>
+            </a:r>
+          </a:p>
+          <a:p>
+            <a:pPr marL="0" indent="0">
+              <a:spcBef>
+                <a:spcPts val="0"/>
+              </a:spcBef>
+              <a:buNone/>
+            </a:pPr>
+            <a:r>
+              <a:rPr lang="en-US" sz="2400" dirty="0">
+                <a:effectLst/>
+                <a:latin typeface="Consolas" panose="020B0609020204030204" pitchFamily="49" charset="0"/>
+                <a:cs typeface="Consolas" panose="020B0609020204030204" pitchFamily="49" charset="0"/>
+              </a:rPr>
+              <a:t>  do</a:t>
+            </a:r>
+          </a:p>
+          <a:p>
+            <a:pPr marL="0" indent="0">
+              <a:spcBef>
+                <a:spcPts val="0"/>
+              </a:spcBef>
+              <a:buNone/>
+            </a:pPr>
+            <a:r>
+              <a:rPr lang="en-US" sz="2400" dirty="0">
+                <a:effectLst/>
+                <a:latin typeface="Consolas" panose="020B0609020204030204" pitchFamily="49" charset="0"/>
+                <a:cs typeface="Consolas" panose="020B0609020204030204" pitchFamily="49" charset="0"/>
+              </a:rPr>
+              <a:t>  {</a:t>
+            </a:r>
+          </a:p>
+          <a:p>
+            <a:pPr marL="0" indent="0">
+              <a:spcBef>
+                <a:spcPts val="0"/>
+              </a:spcBef>
+              <a:buNone/>
+            </a:pPr>
+            <a:r>
+              <a:rPr lang="en-US" sz="2400" dirty="0">
+                <a:effectLst/>
+                <a:latin typeface="Consolas" panose="020B0609020204030204" pitchFamily="49" charset="0"/>
+                <a:cs typeface="Consolas" panose="020B0609020204030204" pitchFamily="49" charset="0"/>
+              </a:rPr>
+              <a:t>    Write-Host $</a:t>
             </a:r>
             <a:r>
               <a:rPr lang="en-US" sz="2400" dirty="0" err="1">
@@ -6810,6 +6734,83 @@
               </a:rPr>
               <a:t>i</a:t>
             </a:r>
+            <a:endParaRPr lang="en-US" sz="2400" dirty="0">
+              <a:effectLst/>
+              <a:latin typeface="Consolas" panose="020B0609020204030204" pitchFamily="49" charset="0"/>
+              <a:cs typeface="Consolas" panose="020B0609020204030204" pitchFamily="49" charset="0"/>
+            </a:endParaRPr>
+          </a:p>
+          <a:p>
+            <a:pPr marL="0" indent="0">
+              <a:spcBef>
+                <a:spcPts val="0"/>
+              </a:spcBef>
+              <a:buNone/>
+            </a:pPr>
+            <a:r>
+              <a:rPr lang="en-US" sz="2400" dirty="0">
+                <a:effectLst/>
+                <a:latin typeface="Consolas" panose="020B0609020204030204" pitchFamily="49" charset="0"/>
+                <a:cs typeface="Consolas" panose="020B0609020204030204" pitchFamily="49" charset="0"/>
+              </a:rPr>
+              <a:t>    $</a:t>
+            </a:r>
+            <a:r>
+              <a:rPr lang="en-US" sz="2400" dirty="0" err="1">
+                <a:effectLst/>
+                <a:latin typeface="Consolas" panose="020B0609020204030204" pitchFamily="49" charset="0"/>
+                <a:cs typeface="Consolas" panose="020B0609020204030204" pitchFamily="49" charset="0"/>
+              </a:rPr>
+              <a:t>i</a:t>
+            </a:r>
+            <a:r>
+              <a:rPr lang="en-US" sz="2400" dirty="0">
+                <a:effectLst/>
+                <a:latin typeface="Consolas" panose="020B0609020204030204" pitchFamily="49" charset="0"/>
+                <a:cs typeface="Consolas" panose="020B0609020204030204" pitchFamily="49" charset="0"/>
+              </a:rPr>
+              <a:t>++</a:t>
+            </a:r>
+          </a:p>
+          <a:p>
+            <a:pPr marL="0" indent="0">
+              <a:spcBef>
+                <a:spcPts val="0"/>
+              </a:spcBef>
+              <a:buNone/>
+            </a:pPr>
+            <a:r>
+              <a:rPr lang="en-US" sz="2400" dirty="0">
+                <a:effectLst/>
+                <a:latin typeface="Consolas" panose="020B0609020204030204" pitchFamily="49" charset="0"/>
+                <a:cs typeface="Consolas" panose="020B0609020204030204" pitchFamily="49" charset="0"/>
+              </a:rPr>
+              <a:t>  }</a:t>
+            </a:r>
+          </a:p>
+          <a:p>
+            <a:pPr marL="0" indent="0">
+              <a:spcBef>
+                <a:spcPts val="0"/>
+              </a:spcBef>
+              <a:buNone/>
+            </a:pPr>
+            <a:r>
+              <a:rPr lang="en-US" sz="2400" dirty="0">
+                <a:effectLst/>
+                <a:latin typeface="Consolas" panose="020B0609020204030204" pitchFamily="49" charset="0"/>
+                <a:cs typeface="Consolas" panose="020B0609020204030204" pitchFamily="49" charset="0"/>
+              </a:rPr>
+              <a:t>  until ($</a:t>
+            </a:r>
+            <a:r>
+              <a:rPr lang="en-US" sz="2400" dirty="0" err="1">
+                <a:effectLst/>
+                <a:latin typeface="Consolas" panose="020B0609020204030204" pitchFamily="49" charset="0"/>
+                <a:cs typeface="Consolas" panose="020B0609020204030204" pitchFamily="49" charset="0"/>
+              </a:rPr>
+              <a:t>i</a:t>
+            </a:r>
             <a:r>
               <a:rPr lang="en-US" sz="2400" dirty="0">
                 <a:effectLst/>
@@ -6824,7 +6825,7 @@
                 <a:latin typeface="Consolas" panose="020B0609020204030204" pitchFamily="49" charset="0"/>
                 <a:cs typeface="Consolas" panose="020B0609020204030204" pitchFamily="49" charset="0"/>
               </a:rPr>
-              <a:t>lt</a:t>
+              <a:t>gt</a:t>
             </a:r>
             <a:r>
               <a:rPr lang="en-US" sz="2400" dirty="0">
@@ -6832,84 +6833,7 @@
                 <a:latin typeface="Consolas" panose="020B0609020204030204" pitchFamily="49" charset="0"/>
                 <a:cs typeface="Consolas" panose="020B0609020204030204" pitchFamily="49" charset="0"/>
               </a:rPr>
-              <a:t> 6; $</a:t>
-            </a:r>
-            <a:r>
-              <a:rPr lang="en-US" sz="2400" dirty="0" err="1">
-                <a:effectLst/>
-                <a:latin typeface="Consolas" panose="020B0609020204030204" pitchFamily="49" charset="0"/>
-                <a:cs typeface="Consolas" panose="020B0609020204030204" pitchFamily="49" charset="0"/>
-              </a:rPr>
-              <a:t>i</a:t>
-            </a:r>
-            <a:r>
-              <a:rPr lang="en-US" sz="2400" dirty="0">
-                <a:effectLst/>
-                <a:latin typeface="Consolas" panose="020B0609020204030204" pitchFamily="49" charset="0"/>
-                <a:cs typeface="Consolas" panose="020B0609020204030204" pitchFamily="49" charset="0"/>
-              </a:rPr>
-              <a:t>++)</a:t>
-            </a:r>
-          </a:p>
-          <a:p>
-            <a:pPr marL="0" indent="0">
-              <a:spcBef>
-                <a:spcPts val="0"/>
-              </a:spcBef>
-              <a:buNone/>
-            </a:pPr>
-            <a:r>
-              <a:rPr lang="en-US" sz="2400" dirty="0">
-                <a:effectLst/>
-                <a:latin typeface="Consolas" panose="020B0609020204030204" pitchFamily="49" charset="0"/>
-                <a:cs typeface="Consolas" panose="020B0609020204030204" pitchFamily="49" charset="0"/>
-              </a:rPr>
-              <a:t>  {</a:t>
-            </a:r>
-          </a:p>
-          <a:p>
-            <a:pPr marL="0" indent="0">
-              <a:spcBef>
-                <a:spcPts val="0"/>
-              </a:spcBef>
-              <a:buNone/>
-            </a:pPr>
-            <a:r>
-              <a:rPr lang="en-US" sz="2400" dirty="0">
-                <a:effectLst/>
-                <a:latin typeface="Consolas" panose="020B0609020204030204" pitchFamily="49" charset="0"/>
-                <a:cs typeface="Consolas" panose="020B0609020204030204" pitchFamily="49" charset="0"/>
-              </a:rPr>
-              <a:t>    Write-Host $</a:t>
-            </a:r>
-            <a:r>
-              <a:rPr lang="en-US" sz="2400" dirty="0" err="1">
-                <a:effectLst/>
-                <a:latin typeface="Consolas" panose="020B0609020204030204" pitchFamily="49" charset="0"/>
-                <a:cs typeface="Consolas" panose="020B0609020204030204" pitchFamily="49" charset="0"/>
-              </a:rPr>
-              <a:t>i</a:t>
-            </a:r>
-            <a:endParaRPr lang="en-US" sz="2400" dirty="0">
-              <a:effectLst/>
-              <a:latin typeface="Consolas" panose="020B0609020204030204" pitchFamily="49" charset="0"/>
-              <a:cs typeface="Consolas" panose="020B0609020204030204" pitchFamily="49" charset="0"/>
-            </a:endParaRPr>
-          </a:p>
-          <a:p>
-            <a:pPr marL="0" indent="0">
-              <a:spcBef>
-                <a:spcPts val="0"/>
-              </a:spcBef>
-              <a:buNone/>
-            </a:pPr>
-            <a:r>
-              <a:rPr lang="en-US" sz="2400" dirty="0">
-                <a:effectLst/>
-                <a:latin typeface="Consolas" panose="020B0609020204030204" pitchFamily="49" charset="0"/>
-                <a:cs typeface="Consolas" panose="020B0609020204030204" pitchFamily="49" charset="0"/>
-              </a:rPr>
-              <a:t>  }</a:t>
+              <a:t> 5)</a:t>
             </a:r>
             <a:endParaRPr lang="en-US" sz="2400" dirty="0">
               <a:latin typeface="Consolas" panose="020B0609020204030204" pitchFamily="49" charset="0"/>
@@ -6921,7 +6845,7 @@
     </p:spTree>
     <p:extLst>
       <p:ext uri="{BB962C8B-B14F-4D97-AF65-F5344CB8AC3E}">
-        <p14:creationId xmlns:p14="http://schemas.microsoft.com/office/powerpoint/2010/main" val="783598963"/>
+        <p14:creationId xmlns:p14="http://schemas.microsoft.com/office/powerpoint/2010/main" val="10584901"/>
       </p:ext>
     </p:extLst>
   </p:cSld>
@@ -6965,7 +6889,7 @@
           <p:cNvPr id="2" name="Title 1">
             <a:extLst>
               <a:ext uri="{FF2B5EF4-FFF2-40B4-BE49-F238E27FC236}">
-                <a16:creationId xmlns:a16="http://schemas.microsoft.com/office/drawing/2014/main" id="{CA4330DD-4CD4-428A-8DB4-C8F97AB15365}"/>
+                <a16:creationId xmlns:a16="http://schemas.microsoft.com/office/drawing/2014/main" id="{C50C90B9-54BA-442F-8C59-E2C47E241D5F}"/>
               </a:ext>
             </a:extLst>
           </p:cNvPr>
@@ -6995,7 +6919,7 @@
           <p:cNvPr id="3" name="Content Placeholder 2">
             <a:extLst>
               <a:ext uri="{FF2B5EF4-FFF2-40B4-BE49-F238E27FC236}">
-                <a16:creationId xmlns:a16="http://schemas.microsoft.com/office/drawing/2014/main" id="{B6C881D7-D820-4E6C-B38C-3C91A3EE01A0}"/>
+                <a16:creationId xmlns:a16="http://schemas.microsoft.com/office/drawing/2014/main" id="{E55D6018-61C4-4429-976F-67CF34A70E30}"/>
               </a:ext>
             </a:extLst>
           </p:cNvPr>
@@ -7008,8 +6932,8 @@
         </p:nvSpPr>
         <p:spPr>
           <a:xfrm>
-            <a:off x="1979612" y="1447808"/>
-            <a:ext cx="10019456" cy="4648192"/>
+            <a:off x="1979611" y="1447808"/>
+            <a:ext cx="9674352" cy="4648192"/>
           </a:xfrm>
         </p:spPr>
         <p:txBody>
@@ -7018,7 +6942,7 @@
           <a:p>
             <a:r>
               <a:rPr lang="en-CA" dirty="0"/>
-              <a:t>foreach:</a:t>
+              <a:t>for:</a:t>
             </a:r>
             <a:br>
               <a:rPr lang="en-CA" dirty="0"/>
@@ -7038,7 +6962,7 @@
                 <a:latin typeface="Consolas" panose="020B0609020204030204" pitchFamily="49" charset="0"/>
                 <a:cs typeface="Consolas" panose="020B0609020204030204" pitchFamily="49" charset="0"/>
               </a:rPr>
-              <a:t>  $</a:t>
+              <a:t>  for ($</a:t>
             </a:r>
             <a:r>
               <a:rPr lang="en-US" sz="2400" dirty="0" err="1">
@@ -7046,7 +6970,7 @@
                 <a:latin typeface="Consolas" panose="020B0609020204030204" pitchFamily="49" charset="0"/>
                 <a:cs typeface="Consolas" panose="020B0609020204030204" pitchFamily="49" charset="0"/>
               </a:rPr>
-              <a:t>currFolder</a:t>
+              <a:t>i</a:t>
             </a:r>
             <a:r>
               <a:rPr lang="en-US" sz="2400" dirty="0">
@@ -7054,7 +6978,55 @@
                 <a:latin typeface="Consolas" panose="020B0609020204030204" pitchFamily="49" charset="0"/>
                 <a:cs typeface="Consolas" panose="020B0609020204030204" pitchFamily="49" charset="0"/>
               </a:rPr>
-              <a:t> = Get-Location</a:t>
+              <a:t> = 1; $</a:t>
+            </a:r>
+            <a:r>
+              <a:rPr lang="en-US" sz="2400" dirty="0" err="1">
+                <a:effectLst/>
+                <a:latin typeface="Consolas" panose="020B0609020204030204" pitchFamily="49" charset="0"/>
+                <a:cs typeface="Consolas" panose="020B0609020204030204" pitchFamily="49" charset="0"/>
+              </a:rPr>
+              <a:t>i</a:t>
+            </a:r>
+            <a:r>
+              <a:rPr lang="en-US" sz="2400" dirty="0">
+                <a:effectLst/>
+                <a:latin typeface="Consolas" panose="020B0609020204030204" pitchFamily="49" charset="0"/>
+                <a:cs typeface="Consolas" panose="020B0609020204030204" pitchFamily="49" charset="0"/>
+              </a:rPr>
+              <a:t> -</a:t>
+            </a:r>
+            <a:r>
+              <a:rPr lang="en-US" sz="2400" dirty="0" err="1">
+                <a:effectLst/>
+                <a:latin typeface="Consolas" panose="020B0609020204030204" pitchFamily="49" charset="0"/>
+                <a:cs typeface="Consolas" panose="020B0609020204030204" pitchFamily="49" charset="0"/>
+              </a:rPr>
+              <a:t>lt</a:t>
+            </a:r>
+            <a:r>
+              <a:rPr lang="en-US" sz="2400" dirty="0">
+                <a:effectLst/>
+                <a:latin typeface="Consolas" panose="020B0609020204030204" pitchFamily="49" charset="0"/>
+                <a:cs typeface="Consolas" panose="020B0609020204030204" pitchFamily="49" charset="0"/>
+              </a:rPr>
+              <a:t> 6; $</a:t>
+            </a:r>
+            <a:r>
+              <a:rPr lang="en-US" sz="2400" dirty="0" err="1">
+                <a:effectLst/>
+                <a:latin typeface="Consolas" panose="020B0609020204030204" pitchFamily="49" charset="0"/>
+                <a:cs typeface="Consolas" panose="020B0609020204030204" pitchFamily="49" charset="0"/>
+              </a:rPr>
+              <a:t>i</a:t>
+            </a:r>
+            <a:r>
+              <a:rPr lang="en-US" sz="2400" dirty="0">
+                <a:effectLst/>
+                <a:latin typeface="Consolas" panose="020B0609020204030204" pitchFamily="49" charset="0"/>
+                <a:cs typeface="Consolas" panose="020B0609020204030204" pitchFamily="49" charset="0"/>
+              </a:rPr>
+              <a:t>++)</a:t>
             </a:r>
           </a:p>
           <a:p>
@@ -7070,23 +7042,7 @@
                 <a:latin typeface="Consolas" panose="020B0609020204030204" pitchFamily="49" charset="0"/>
                 <a:cs typeface="Consolas" panose="020B0609020204030204" pitchFamily="49" charset="0"/>
               </a:rPr>
-              <a:t>  foreach($item in (Get-</a:t>
-            </a:r>
-            <a:r>
-              <a:rPr lang="en-US" sz="2400" dirty="0" err="1">
-                <a:effectLst/>
-                <a:latin typeface="Consolas" panose="020B0609020204030204" pitchFamily="49" charset="0"/>
-                <a:cs typeface="Consolas" panose="020B0609020204030204" pitchFamily="49" charset="0"/>
-              </a:rPr>
-              <a:t>ChildItem</a:t>
-            </a:r>
-            <a:r>
-              <a:rPr lang="en-US" sz="2400" dirty="0">
-                <a:effectLst/>
-                <a:latin typeface="Consolas" panose="020B0609020204030204" pitchFamily="49" charset="0"/>
-                <a:cs typeface="Consolas" panose="020B0609020204030204" pitchFamily="49" charset="0"/>
-              </a:rPr>
-              <a:t> –Path</a:t>
+              <a:t>  {</a:t>
             </a:r>
           </a:p>
           <a:p>
@@ -7102,7 +7058,7 @@
                 <a:latin typeface="Consolas" panose="020B0609020204030204" pitchFamily="49" charset="0"/>
                 <a:cs typeface="Consolas" panose="020B0609020204030204" pitchFamily="49" charset="0"/>
               </a:rPr>
-              <a:t>    $</a:t>
+              <a:t>    Write-Host $</a:t>
             </a:r>
             <a:r>
               <a:rPr lang="en-US" sz="2400" dirty="0" err="1">
@@ -7110,16 +7066,13 @@
                 <a:latin typeface="Consolas" panose="020B0609020204030204" pitchFamily="49" charset="0"/>
                 <a:cs typeface="Consolas" panose="020B0609020204030204" pitchFamily="49" charset="0"/>
               </a:rPr>
-              <a:t>currFolder</a:t>
-            </a:r>
-            <a:r>
-              <a:rPr lang="en-US" sz="2400" dirty="0">
-                <a:effectLst/>
-                <a:latin typeface="Consolas" panose="020B0609020204030204" pitchFamily="49" charset="0"/>
-                <a:cs typeface="Consolas" panose="020B0609020204030204" pitchFamily="49" charset="0"/>
-              </a:rPr>
-              <a:t> -Recurse -File))</a:t>
-            </a:r>
+              <a:t>i</a:t>
+            </a:r>
+            <a:endParaRPr lang="en-US" sz="2400" dirty="0">
+              <a:effectLst/>
+              <a:latin typeface="Consolas" panose="020B0609020204030204" pitchFamily="49" charset="0"/>
+              <a:cs typeface="Consolas" panose="020B0609020204030204" pitchFamily="49" charset="0"/>
+            </a:endParaRPr>
           </a:p>
           <a:p>
             <a:pPr marL="0" indent="0">
@@ -7134,104 +7087,8 @@
                 <a:latin typeface="Consolas" panose="020B0609020204030204" pitchFamily="49" charset="0"/>
                 <a:cs typeface="Consolas" panose="020B0609020204030204" pitchFamily="49" charset="0"/>
               </a:rPr>
-              <a:t>  {</a:t>
-            </a:r>
-          </a:p>
-          <a:p>
-            <a:pPr marL="0" indent="0">
-              <a:spcBef>
-                <a:spcPts val="0"/>
-              </a:spcBef>
-              <a:buNone/>
-            </a:pPr>
-            <a:r>
-              <a:rPr lang="en-US" sz="2400" dirty="0">
-                <a:effectLst/>
-                <a:latin typeface="Consolas" panose="020B0609020204030204" pitchFamily="49" charset="0"/>
-                <a:cs typeface="Consolas" panose="020B0609020204030204" pitchFamily="49" charset="0"/>
-              </a:rPr>
-              <a:t>    $source = $</a:t>
-            </a:r>
-            <a:r>
-              <a:rPr lang="en-US" sz="2400" dirty="0" err="1">
-                <a:effectLst/>
-                <a:latin typeface="Consolas" panose="020B0609020204030204" pitchFamily="49" charset="0"/>
-                <a:cs typeface="Consolas" panose="020B0609020204030204" pitchFamily="49" charset="0"/>
-              </a:rPr>
-              <a:t>item.DirectoryName</a:t>
-            </a:r>
-            <a:r>
-              <a:rPr lang="en-US" sz="2400" dirty="0">
-                <a:effectLst/>
-                <a:latin typeface="Consolas" panose="020B0609020204030204" pitchFamily="49" charset="0"/>
-                <a:cs typeface="Consolas" panose="020B0609020204030204" pitchFamily="49" charset="0"/>
-              </a:rPr>
-              <a:t> + "\" + $item</a:t>
-            </a:r>
-          </a:p>
-          <a:p>
-            <a:pPr marL="0" indent="0">
-              <a:spcBef>
-                <a:spcPts val="0"/>
-              </a:spcBef>
-              <a:buNone/>
-            </a:pPr>
-            <a:r>
-              <a:rPr lang="en-US" sz="2400" dirty="0">
-                <a:effectLst/>
-                <a:latin typeface="Consolas" panose="020B0609020204030204" pitchFamily="49" charset="0"/>
-                <a:cs typeface="Consolas" panose="020B0609020204030204" pitchFamily="49" charset="0"/>
-              </a:rPr>
-              <a:t>    Write-Host $source</a:t>
-            </a:r>
-          </a:p>
-          <a:p>
-            <a:pPr marL="0" indent="0">
-              <a:spcBef>
-                <a:spcPts val="0"/>
-              </a:spcBef>
-              <a:buNone/>
-            </a:pPr>
-            <a:r>
-              <a:rPr lang="en-US" sz="2400" dirty="0">
-                <a:effectLst/>
-                <a:latin typeface="Consolas" panose="020B0609020204030204" pitchFamily="49" charset="0"/>
-                <a:cs typeface="Consolas" panose="020B0609020204030204" pitchFamily="49" charset="0"/>
-              </a:rPr>
               <a:t>  }</a:t>
             </a:r>
-            <a:br>
-              <a:rPr lang="en-US" sz="2400" dirty="0">
-                <a:effectLst/>
-                <a:latin typeface="Consolas" panose="020B0609020204030204" pitchFamily="49" charset="0"/>
-                <a:cs typeface="Consolas" panose="020B0609020204030204" pitchFamily="49" charset="0"/>
-              </a:rPr>
-            </a:br>
-            <a:endParaRPr lang="en-US" sz="2400" dirty="0">
-              <a:effectLst/>
-              <a:latin typeface="Consolas" panose="020B0609020204030204" pitchFamily="49" charset="0"/>
-              <a:cs typeface="Consolas" panose="020B0609020204030204" pitchFamily="49" charset="0"/>
-            </a:endParaRPr>
-          </a:p>
-          <a:p>
-            <a:pPr>
-              <a:spcBef>
-                <a:spcPts val="0"/>
-              </a:spcBef>
-            </a:pPr>
-            <a:r>
-              <a:rPr lang="en-CA" sz="2400" dirty="0"/>
-              <a:t>break and continue</a:t>
-            </a:r>
-            <a:endParaRPr lang="en-US" sz="2400" dirty="0"/>
-          </a:p>
-          <a:p>
-            <a:pPr marL="0" indent="0">
-              <a:spcBef>
-                <a:spcPts val="0"/>
-              </a:spcBef>
-              <a:buNone/>
-            </a:pPr>
             <a:endParaRPr lang="en-US" sz="2400" dirty="0">
               <a:latin typeface="Consolas" panose="020B0609020204030204" pitchFamily="49" charset="0"/>
               <a:cs typeface="Consolas" panose="020B0609020204030204" pitchFamily="49" charset="0"/>
@@ -7242,7 +7099,7 @@
     </p:spTree>
     <p:extLst>
       <p:ext uri="{BB962C8B-B14F-4D97-AF65-F5344CB8AC3E}">
-        <p14:creationId xmlns:p14="http://schemas.microsoft.com/office/powerpoint/2010/main" val="2102475033"/>
+        <p14:creationId xmlns:p14="http://schemas.microsoft.com/office/powerpoint/2010/main" val="783598963"/>
       </p:ext>
     </p:extLst>
   </p:cSld>
@@ -7286,7 +7143,7 @@
           <p:cNvPr id="2" name="Title 1">
             <a:extLst>
               <a:ext uri="{FF2B5EF4-FFF2-40B4-BE49-F238E27FC236}">
-                <a16:creationId xmlns:a16="http://schemas.microsoft.com/office/drawing/2014/main" id="{FE77BE69-6AD0-4FBB-93E5-20E571F33106}"/>
+                <a16:creationId xmlns:a16="http://schemas.microsoft.com/office/drawing/2014/main" id="{CA4330DD-4CD4-428A-8DB4-C8F97AB15365}"/>
               </a:ext>
             </a:extLst>
           </p:cNvPr>
@@ -7306,7 +7163,7 @@
           <a:p>
             <a:r>
               <a:rPr lang="en-CA" dirty="0"/>
-              <a:t>Error Handling</a:t>
+              <a:t>Loops (continued)</a:t>
             </a:r>
           </a:p>
         </p:txBody>
@@ -7316,7 +7173,7 @@
           <p:cNvPr id="3" name="Content Placeholder 2">
             <a:extLst>
               <a:ext uri="{FF2B5EF4-FFF2-40B4-BE49-F238E27FC236}">
-                <a16:creationId xmlns:a16="http://schemas.microsoft.com/office/drawing/2014/main" id="{1B28E462-FD00-4916-8FF2-269C4FE7BD16}"/>
+                <a16:creationId xmlns:a16="http://schemas.microsoft.com/office/drawing/2014/main" id="{B6C881D7-D820-4E6C-B38C-3C91A3EE01A0}"/>
               </a:ext>
             </a:extLst>
           </p:cNvPr>
@@ -7327,35 +7184,243 @@
             <p:ph sz="quarter" idx="10"/>
           </p:nvPr>
         </p:nvSpPr>
-        <p:spPr/>
+        <p:spPr>
+          <a:xfrm>
+            <a:off x="1979612" y="1447808"/>
+            <a:ext cx="10019456" cy="4648192"/>
+          </a:xfrm>
+        </p:spPr>
         <p:txBody>
           <a:bodyPr/>
           <a:lstStyle/>
           <a:p>
             <a:r>
               <a:rPr lang="en-CA" dirty="0"/>
-              <a:t>try/catch/finally</a:t>
-            </a:r>
-          </a:p>
-          <a:p>
-            <a:r>
-              <a:rPr lang="en-CA" dirty="0"/>
-              <a:t>$? contains status of last statement</a:t>
-            </a:r>
-          </a:p>
-          <a:p>
-            <a:r>
-              <a:rPr lang="en-CA" dirty="0"/>
-              <a:t>$Error contains information about error</a:t>
+              <a:t>foreach:</a:t>
+            </a:r>
+            <a:br>
+              <a:rPr lang="en-CA" dirty="0"/>
+            </a:br>
+            <a:endParaRPr lang="en-CA" dirty="0"/>
+          </a:p>
+          <a:p>
+            <a:pPr marL="0" indent="0">
+              <a:spcBef>
+                <a:spcPts val="0"/>
+              </a:spcBef>
+              <a:buNone/>
+            </a:pPr>
+            <a:r>
+              <a:rPr lang="en-US" sz="2400" dirty="0">
+                <a:effectLst/>
+                <a:latin typeface="Consolas" panose="020B0609020204030204" pitchFamily="49" charset="0"/>
+                <a:cs typeface="Consolas" panose="020B0609020204030204" pitchFamily="49" charset="0"/>
+              </a:rPr>
+              <a:t>  $</a:t>
+            </a:r>
+            <a:r>
+              <a:rPr lang="en-US" sz="2400" dirty="0" err="1">
+                <a:effectLst/>
+                <a:latin typeface="Consolas" panose="020B0609020204030204" pitchFamily="49" charset="0"/>
+                <a:cs typeface="Consolas" panose="020B0609020204030204" pitchFamily="49" charset="0"/>
+              </a:rPr>
+              <a:t>currFolder</a:t>
+            </a:r>
+            <a:r>
+              <a:rPr lang="en-US" sz="2400" dirty="0">
+                <a:effectLst/>
+                <a:latin typeface="Consolas" panose="020B0609020204030204" pitchFamily="49" charset="0"/>
+                <a:cs typeface="Consolas" panose="020B0609020204030204" pitchFamily="49" charset="0"/>
+              </a:rPr>
+              <a:t> = Get-Location</a:t>
+            </a:r>
+          </a:p>
+          <a:p>
+            <a:pPr marL="0" indent="0">
+              <a:spcBef>
+                <a:spcPts val="0"/>
+              </a:spcBef>
+              <a:buNone/>
+            </a:pPr>
+            <a:r>
+              <a:rPr lang="en-US" sz="2400" dirty="0">
+                <a:effectLst/>
+                <a:latin typeface="Consolas" panose="020B0609020204030204" pitchFamily="49" charset="0"/>
+                <a:cs typeface="Consolas" panose="020B0609020204030204" pitchFamily="49" charset="0"/>
+              </a:rPr>
+              <a:t>  foreach($item in (Get-</a:t>
+            </a:r>
+            <a:r>
+              <a:rPr lang="en-US" sz="2400" dirty="0" err="1">
+                <a:effectLst/>
+                <a:latin typeface="Consolas" panose="020B0609020204030204" pitchFamily="49" charset="0"/>
+                <a:cs typeface="Consolas" panose="020B0609020204030204" pitchFamily="49" charset="0"/>
+              </a:rPr>
+              <a:t>ChildItem</a:t>
+            </a:r>
+            <a:r>
+              <a:rPr lang="en-US" sz="2400" dirty="0">
+                <a:effectLst/>
+                <a:latin typeface="Consolas" panose="020B0609020204030204" pitchFamily="49" charset="0"/>
+                <a:cs typeface="Consolas" panose="020B0609020204030204" pitchFamily="49" charset="0"/>
+              </a:rPr>
+              <a:t> –Path</a:t>
+            </a:r>
+          </a:p>
+          <a:p>
+            <a:pPr marL="0" indent="0">
+              <a:spcBef>
+                <a:spcPts val="0"/>
+              </a:spcBef>
+              <a:buNone/>
+            </a:pPr>
+            <a:r>
+              <a:rPr lang="en-US" sz="2400" dirty="0">
+                <a:effectLst/>
+                <a:latin typeface="Consolas" panose="020B0609020204030204" pitchFamily="49" charset="0"/>
+                <a:cs typeface="Consolas" panose="020B0609020204030204" pitchFamily="49" charset="0"/>
+              </a:rPr>
+              <a:t>    $</a:t>
+            </a:r>
+            <a:r>
+              <a:rPr lang="en-US" sz="2400" dirty="0" err="1">
+                <a:effectLst/>
+                <a:latin typeface="Consolas" panose="020B0609020204030204" pitchFamily="49" charset="0"/>
+                <a:cs typeface="Consolas" panose="020B0609020204030204" pitchFamily="49" charset="0"/>
+              </a:rPr>
+              <a:t>currFolder</a:t>
+            </a:r>
+            <a:r>
+              <a:rPr lang="en-US" sz="2400" dirty="0">
+                <a:effectLst/>
+                <a:latin typeface="Consolas" panose="020B0609020204030204" pitchFamily="49" charset="0"/>
+                <a:cs typeface="Consolas" panose="020B0609020204030204" pitchFamily="49" charset="0"/>
+              </a:rPr>
+              <a:t> -Recurse -File))</a:t>
+            </a:r>
+          </a:p>
+          <a:p>
+            <a:pPr marL="0" indent="0">
+              <a:spcBef>
+                <a:spcPts val="0"/>
+              </a:spcBef>
+              <a:buNone/>
+            </a:pPr>
+            <a:r>
+              <a:rPr lang="en-US" sz="2400" dirty="0">
+                <a:effectLst/>
+                <a:latin typeface="Consolas" panose="020B0609020204030204" pitchFamily="49" charset="0"/>
+                <a:cs typeface="Consolas" panose="020B0609020204030204" pitchFamily="49" charset="0"/>
+              </a:rPr>
+              <a:t>  {</a:t>
+            </a:r>
+          </a:p>
+          <a:p>
+            <a:pPr marL="0" indent="0">
+              <a:spcBef>
+                <a:spcPts val="0"/>
+              </a:spcBef>
+              <a:buNone/>
+            </a:pPr>
+            <a:r>
+              <a:rPr lang="en-US" sz="2400" dirty="0">
+                <a:effectLst/>
+                <a:latin typeface="Consolas" panose="020B0609020204030204" pitchFamily="49" charset="0"/>
+                <a:cs typeface="Consolas" panose="020B0609020204030204" pitchFamily="49" charset="0"/>
+              </a:rPr>
+              <a:t>    $source = $</a:t>
+            </a:r>
+            <a:r>
+              <a:rPr lang="en-US" sz="2400" dirty="0" err="1">
+                <a:effectLst/>
+                <a:latin typeface="Consolas" panose="020B0609020204030204" pitchFamily="49" charset="0"/>
+                <a:cs typeface="Consolas" panose="020B0609020204030204" pitchFamily="49" charset="0"/>
+              </a:rPr>
+              <a:t>item.DirectoryName</a:t>
+            </a:r>
+            <a:r>
+              <a:rPr lang="en-US" sz="2400" dirty="0">
+                <a:effectLst/>
+                <a:latin typeface="Consolas" panose="020B0609020204030204" pitchFamily="49" charset="0"/>
+                <a:cs typeface="Consolas" panose="020B0609020204030204" pitchFamily="49" charset="0"/>
+              </a:rPr>
+              <a:t> + "\" + $item</a:t>
+            </a:r>
+          </a:p>
+          <a:p>
+            <a:pPr marL="0" indent="0">
+              <a:spcBef>
+                <a:spcPts val="0"/>
+              </a:spcBef>
+              <a:buNone/>
+            </a:pPr>
+            <a:r>
+              <a:rPr lang="en-US" sz="2400" dirty="0">
+                <a:effectLst/>
+                <a:latin typeface="Consolas" panose="020B0609020204030204" pitchFamily="49" charset="0"/>
+                <a:cs typeface="Consolas" panose="020B0609020204030204" pitchFamily="49" charset="0"/>
+              </a:rPr>
+              <a:t>    Write-Host $source</a:t>
+            </a:r>
+          </a:p>
+          <a:p>
+            <a:pPr marL="0" indent="0">
+              <a:spcBef>
+                <a:spcPts val="0"/>
+              </a:spcBef>
+              <a:buNone/>
+            </a:pPr>
+            <a:r>
+              <a:rPr lang="en-US" sz="2400" dirty="0">
+                <a:effectLst/>
+                <a:latin typeface="Consolas" panose="020B0609020204030204" pitchFamily="49" charset="0"/>
+                <a:cs typeface="Consolas" panose="020B0609020204030204" pitchFamily="49" charset="0"/>
+              </a:rPr>
+              <a:t>  }</a:t>
+            </a:r>
+            <a:br>
+              <a:rPr lang="en-US" sz="2400" dirty="0">
+                <a:effectLst/>
+                <a:latin typeface="Consolas" panose="020B0609020204030204" pitchFamily="49" charset="0"/>
+                <a:cs typeface="Consolas" panose="020B0609020204030204" pitchFamily="49" charset="0"/>
+              </a:rPr>
+            </a:br>
+            <a:endParaRPr lang="en-US" sz="2400" dirty="0">
+              <a:effectLst/>
+              <a:latin typeface="Consolas" panose="020B0609020204030204" pitchFamily="49" charset="0"/>
+              <a:cs typeface="Consolas" panose="020B0609020204030204" pitchFamily="49" charset="0"/>
+            </a:endParaRPr>
+          </a:p>
+          <a:p>
+            <a:pPr>
+              <a:spcBef>
+                <a:spcPts val="0"/>
+              </a:spcBef>
+            </a:pPr>
+            <a:r>
+              <a:rPr lang="en-CA" dirty="0"/>
+              <a:t>break and continue</a:t>
             </a:r>
             <a:endParaRPr lang="en-US" dirty="0"/>
+          </a:p>
+          <a:p>
+            <a:pPr marL="0" indent="0">
+              <a:spcBef>
+                <a:spcPts val="0"/>
+              </a:spcBef>
+              <a:buNone/>
+            </a:pPr>
+            <a:endParaRPr lang="en-US" sz="2400" dirty="0">
+              <a:latin typeface="Consolas" panose="020B0609020204030204" pitchFamily="49" charset="0"/>
+              <a:cs typeface="Consolas" panose="020B0609020204030204" pitchFamily="49" charset="0"/>
+            </a:endParaRPr>
           </a:p>
         </p:txBody>
       </p:sp>
     </p:spTree>
     <p:extLst>
       <p:ext uri="{BB962C8B-B14F-4D97-AF65-F5344CB8AC3E}">
-        <p14:creationId xmlns:p14="http://schemas.microsoft.com/office/powerpoint/2010/main" val="1049394956"/>
+        <p14:creationId xmlns:p14="http://schemas.microsoft.com/office/powerpoint/2010/main" val="2102475033"/>
       </p:ext>
     </p:extLst>
   </p:cSld>
@@ -7399,7 +7464,7 @@
           <p:cNvPr id="2" name="Title 1">
             <a:extLst>
               <a:ext uri="{FF2B5EF4-FFF2-40B4-BE49-F238E27FC236}">
-                <a16:creationId xmlns:a16="http://schemas.microsoft.com/office/drawing/2014/main" id="{553A5A37-9CC6-432B-9277-0D71BAE2AB3D}"/>
+                <a16:creationId xmlns:a16="http://schemas.microsoft.com/office/drawing/2014/main" id="{FE77BE69-6AD0-4FBB-93E5-20E571F33106}"/>
               </a:ext>
             </a:extLst>
           </p:cNvPr>
@@ -7419,7 +7484,7 @@
           <a:p>
             <a:r>
               <a:rPr lang="en-CA" dirty="0"/>
-              <a:t>Pipelining</a:t>
+              <a:t>Error Handling</a:t>
             </a:r>
           </a:p>
         </p:txBody>
@@ -7429,7 +7494,7 @@
           <p:cNvPr id="3" name="Content Placeholder 2">
             <a:extLst>
               <a:ext uri="{FF2B5EF4-FFF2-40B4-BE49-F238E27FC236}">
-                <a16:creationId xmlns:a16="http://schemas.microsoft.com/office/drawing/2014/main" id="{25F37B1E-30D1-4393-8EE7-099F510E1FAE}"/>
+                <a16:creationId xmlns:a16="http://schemas.microsoft.com/office/drawing/2014/main" id="{1B28E462-FD00-4916-8FF2-269C4FE7BD16}"/>
               </a:ext>
             </a:extLst>
           </p:cNvPr>
@@ -7447,34 +7512,28 @@
           <a:p>
             <a:r>
               <a:rPr lang="en-CA" dirty="0"/>
-              <a:t>Use | to send output of one command to input of another</a:t>
-            </a:r>
-          </a:p>
-          <a:p>
-            <a:r>
-              <a:rPr lang="en-CA" dirty="0"/>
-              <a:t>Use $input for pipelined values</a:t>
+              <a:t>try/catch/finally</a:t>
+            </a:r>
+          </a:p>
+          <a:p>
+            <a:r>
+              <a:rPr lang="en-CA" dirty="0"/>
+              <a:t>$? contains status of last statement</a:t>
+            </a:r>
+          </a:p>
+          <a:p>
+            <a:r>
+              <a:rPr lang="en-CA" dirty="0"/>
+              <a:t>$Error contains information about error</a:t>
             </a:r>
             <a:endParaRPr lang="en-US" dirty="0"/>
-          </a:p>
-          <a:p>
-            <a:r>
-              <a:rPr lang="en-CA" dirty="0"/>
-              <a:t>Filter removes items ($_ is current item)</a:t>
-            </a:r>
-          </a:p>
-          <a:p>
-            <a:r>
-              <a:rPr lang="en-CA" dirty="0"/>
-              <a:t>e.g. Where-Object acts like WHERE clause in SQL</a:t>
-            </a:r>
           </a:p>
         </p:txBody>
       </p:sp>
     </p:spTree>
     <p:extLst>
       <p:ext uri="{BB962C8B-B14F-4D97-AF65-F5344CB8AC3E}">
-        <p14:creationId xmlns:p14="http://schemas.microsoft.com/office/powerpoint/2010/main" val="116961542"/>
+        <p14:creationId xmlns:p14="http://schemas.microsoft.com/office/powerpoint/2010/main" val="1049394956"/>
       </p:ext>
     </p:extLst>
   </p:cSld>
@@ -7515,10 +7574,10 @@
       </p:grpSpPr>
       <p:sp>
         <p:nvSpPr>
-          <p:cNvPr id="3" name="Title 2">
+          <p:cNvPr id="2" name="Title 1">
             <a:extLst>
               <a:ext uri="{FF2B5EF4-FFF2-40B4-BE49-F238E27FC236}">
-                <a16:creationId xmlns:a16="http://schemas.microsoft.com/office/drawing/2014/main" id="{9BC79B9F-116A-4370-9702-B5EBDEC245AB}"/>
+                <a16:creationId xmlns:a16="http://schemas.microsoft.com/office/drawing/2014/main" id="{553A5A37-9CC6-432B-9277-0D71BAE2AB3D}"/>
               </a:ext>
             </a:extLst>
           </p:cNvPr>
@@ -7538,18 +7597,17 @@
           <a:p>
             <a:r>
               <a:rPr lang="en-CA" dirty="0"/>
-              <a:t>Working with .NET</a:t>
-            </a:r>
-            <a:endParaRPr lang="en-US" dirty="0"/>
+              <a:t>Pipelining</a:t>
+            </a:r>
           </a:p>
         </p:txBody>
       </p:sp>
       <p:sp>
         <p:nvSpPr>
-          <p:cNvPr id="4" name="Content Placeholder 3">
+          <p:cNvPr id="3" name="Content Placeholder 2">
             <a:extLst>
               <a:ext uri="{FF2B5EF4-FFF2-40B4-BE49-F238E27FC236}">
-                <a16:creationId xmlns:a16="http://schemas.microsoft.com/office/drawing/2014/main" id="{32D84BB3-4E84-4133-A4C9-335F711E4E62}"/>
+                <a16:creationId xmlns:a16="http://schemas.microsoft.com/office/drawing/2014/main" id="{25F37B1E-30D1-4393-8EE7-099F510E1FAE}"/>
               </a:ext>
             </a:extLst>
           </p:cNvPr>
@@ -7557,37 +7615,44 @@
             <a:spLocks noGrp="1"/>
           </p:cNvSpPr>
           <p:nvPr>
-            <p:ph idx="10"/>
+            <p:ph sz="quarter" idx="10"/>
           </p:nvPr>
         </p:nvSpPr>
-        <p:spPr>
-          <a:xfrm>
-            <a:off x="1979613" y="1447800"/>
-            <a:ext cx="9675812" cy="4648200"/>
-          </a:xfrm>
-        </p:spPr>
+        <p:spPr/>
         <p:txBody>
           <a:bodyPr/>
           <a:lstStyle/>
           <a:p>
             <a:r>
               <a:rPr lang="en-CA" dirty="0"/>
-              <a:t>New-Object instantiates object</a:t>
-            </a:r>
-          </a:p>
-          <a:p>
-            <a:r>
-              <a:rPr lang="en-CA" dirty="0"/>
-              <a:t>[Class]::Member calls static method</a:t>
+              <a:t>Use | to send output of one command to input of another</a:t>
+            </a:r>
+          </a:p>
+          <a:p>
+            <a:r>
+              <a:rPr lang="en-CA" dirty="0"/>
+              <a:t>Use $input for pipelined values</a:t>
             </a:r>
             <a:endParaRPr lang="en-US" dirty="0"/>
+          </a:p>
+          <a:p>
+            <a:r>
+              <a:rPr lang="en-CA" dirty="0"/>
+              <a:t>Filter removes items ($_ is current item)</a:t>
+            </a:r>
+          </a:p>
+          <a:p>
+            <a:r>
+              <a:rPr lang="en-CA" dirty="0"/>
+              <a:t>e.g. Where-Object acts like WHERE clause in SQL</a:t>
+            </a:r>
           </a:p>
         </p:txBody>
       </p:sp>
     </p:spTree>
     <p:extLst>
       <p:ext uri="{BB962C8B-B14F-4D97-AF65-F5344CB8AC3E}">
-        <p14:creationId xmlns:p14="http://schemas.microsoft.com/office/powerpoint/2010/main" val="2653342071"/>
+        <p14:creationId xmlns:p14="http://schemas.microsoft.com/office/powerpoint/2010/main" val="116961542"/>
       </p:ext>
     </p:extLst>
   </p:cSld>
@@ -7628,10 +7693,10 @@
       </p:grpSpPr>
       <p:sp>
         <p:nvSpPr>
-          <p:cNvPr id="2" name="Title 1">
+          <p:cNvPr id="3" name="Title 2">
             <a:extLst>
               <a:ext uri="{FF2B5EF4-FFF2-40B4-BE49-F238E27FC236}">
-                <a16:creationId xmlns:a16="http://schemas.microsoft.com/office/drawing/2014/main" id="{E2A29901-77E0-4131-BB2A-BCFCC6625E37}"/>
+                <a16:creationId xmlns:a16="http://schemas.microsoft.com/office/drawing/2014/main" id="{9BC79B9F-116A-4370-9702-B5EBDEC245AB}"/>
               </a:ext>
             </a:extLst>
           </p:cNvPr>
@@ -7651,17 +7716,18 @@
           <a:p>
             <a:r>
               <a:rPr lang="en-CA" dirty="0"/>
-              <a:t>Examples</a:t>
-            </a:r>
+              <a:t>Working with .NET and COM</a:t>
+            </a:r>
+            <a:endParaRPr lang="en-US" dirty="0"/>
           </a:p>
         </p:txBody>
       </p:sp>
       <p:sp>
         <p:nvSpPr>
-          <p:cNvPr id="3" name="Content Placeholder 2">
+          <p:cNvPr id="4" name="Content Placeholder 3">
             <a:extLst>
               <a:ext uri="{FF2B5EF4-FFF2-40B4-BE49-F238E27FC236}">
-                <a16:creationId xmlns:a16="http://schemas.microsoft.com/office/drawing/2014/main" id="{7F144CCB-51A1-47D0-978F-64D8C4CD2276}"/>
+                <a16:creationId xmlns:a16="http://schemas.microsoft.com/office/drawing/2014/main" id="{32D84BB3-4E84-4133-A4C9-335F711E4E62}"/>
               </a:ext>
             </a:extLst>
           </p:cNvPr>
@@ -7669,37 +7735,71 @@
             <a:spLocks noGrp="1"/>
           </p:cNvSpPr>
           <p:nvPr>
-            <p:ph sz="quarter" idx="10"/>
+            <p:ph idx="10"/>
           </p:nvPr>
         </p:nvSpPr>
-        <p:spPr/>
+        <p:spPr>
+          <a:xfrm>
+            <a:off x="1979613" y="1447800"/>
+            <a:ext cx="9675812" cy="4648200"/>
+          </a:xfrm>
+        </p:spPr>
         <p:txBody>
           <a:bodyPr/>
           <a:lstStyle/>
           <a:p>
             <a:r>
               <a:rPr lang="en-CA" dirty="0"/>
-              <a:t>Automating application installation</a:t>
-            </a:r>
-          </a:p>
-          <a:p>
-            <a:r>
-              <a:rPr lang="en-CA" dirty="0"/>
-              <a:t>Backing up files</a:t>
-            </a:r>
-          </a:p>
-          <a:p>
-            <a:r>
-              <a:rPr lang="en-CA" dirty="0"/>
-              <a:t>Backing up SQL Server databases</a:t>
-            </a:r>
+              <a:t>New-Object instantiates object</a:t>
+            </a:r>
+          </a:p>
+          <a:p>
+            <a:pPr lvl="1"/>
+            <a:r>
+              <a:rPr lang="en-CA" dirty="0"/>
+              <a:t>-</a:t>
+            </a:r>
+            <a:r>
+              <a:rPr lang="en-CA" dirty="0" err="1"/>
+              <a:t>ArgumentList</a:t>
+            </a:r>
+            <a:r>
+              <a:rPr lang="en-CA" dirty="0"/>
+              <a:t> to pass parameters to </a:t>
+            </a:r>
+            <a:r>
+              <a:rPr lang="en-CA" dirty="0" err="1"/>
+              <a:t>ctor</a:t>
+            </a:r>
+            <a:endParaRPr lang="en-CA" dirty="0"/>
+          </a:p>
+          <a:p>
+            <a:r>
+              <a:rPr lang="en-CA" dirty="0"/>
+              <a:t>[Class]::Member calls static method</a:t>
+            </a:r>
+          </a:p>
+          <a:p>
+            <a:r>
+              <a:rPr lang="en-CA" dirty="0"/>
+              <a:t>New-Object –</a:t>
+            </a:r>
+            <a:r>
+              <a:rPr lang="en-CA" dirty="0" err="1"/>
+              <a:t>ComObject</a:t>
+            </a:r>
+            <a:r>
+              <a:rPr lang="en-CA" dirty="0"/>
+              <a:t> instantiates COM object</a:t>
+            </a:r>
+            <a:endParaRPr lang="en-US" dirty="0"/>
           </a:p>
         </p:txBody>
       </p:sp>
     </p:spTree>
     <p:extLst>
       <p:ext uri="{BB962C8B-B14F-4D97-AF65-F5344CB8AC3E}">
-        <p14:creationId xmlns:p14="http://schemas.microsoft.com/office/powerpoint/2010/main" val="3326846540"/>
+        <p14:creationId xmlns:p14="http://schemas.microsoft.com/office/powerpoint/2010/main" val="2653342071"/>
       </p:ext>
     </p:extLst>
   </p:cSld>
@@ -7743,7 +7843,7 @@
           <p:cNvPr id="2" name="Title 1">
             <a:extLst>
               <a:ext uri="{FF2B5EF4-FFF2-40B4-BE49-F238E27FC236}">
-                <a16:creationId xmlns:a16="http://schemas.microsoft.com/office/drawing/2014/main" id="{BAB144C2-1B50-4025-BE60-2685A0E02336}"/>
+                <a16:creationId xmlns:a16="http://schemas.microsoft.com/office/drawing/2014/main" id="{E2A29901-77E0-4131-BB2A-BCFCC6625E37}"/>
               </a:ext>
             </a:extLst>
           </p:cNvPr>
@@ -7763,7 +7863,7 @@
           <a:p>
             <a:r>
               <a:rPr lang="en-CA" dirty="0"/>
-              <a:t>Resources</a:t>
+              <a:t>Examples</a:t>
             </a:r>
           </a:p>
         </p:txBody>
@@ -7773,7 +7873,7 @@
           <p:cNvPr id="3" name="Content Placeholder 2">
             <a:extLst>
               <a:ext uri="{FF2B5EF4-FFF2-40B4-BE49-F238E27FC236}">
-                <a16:creationId xmlns:a16="http://schemas.microsoft.com/office/drawing/2014/main" id="{7B998BAA-9856-47C4-AFF0-2691496134BC}"/>
+                <a16:creationId xmlns:a16="http://schemas.microsoft.com/office/drawing/2014/main" id="{7F144CCB-51A1-47D0-978F-64D8C4CD2276}"/>
               </a:ext>
             </a:extLst>
           </p:cNvPr>
@@ -7791,26 +7891,19 @@
           <a:p>
             <a:r>
               <a:rPr lang="en-CA" dirty="0"/>
-              <a:t>GIYF: “how do I &lt;something&gt; in PowerShell”</a:t>
-            </a:r>
-          </a:p>
-          <a:p>
-            <a:r>
-              <a:rPr lang="en-US" dirty="0"/>
-              <a:t>Microsoft’s PowerShell documentation:</a:t>
-            </a:r>
-            <a:br>
-              <a:rPr lang="en-US" dirty="0"/>
-            </a:br>
-            <a:r>
-              <a:rPr lang="en-US" dirty="0">
-                <a:hlinkClick r:id="rId2"/>
-              </a:rPr>
-              <a:t>https://learn.microsoft.com/en-us/powershell</a:t>
-            </a:r>
-            <a:r>
-              <a:rPr lang="en-US" dirty="0"/>
-              <a:t> </a:t>
+              <a:t>Automating application installation</a:t>
+            </a:r>
+          </a:p>
+          <a:p>
+            <a:r>
+              <a:rPr lang="en-CA" dirty="0"/>
+              <a:t>Backing up files</a:t>
+            </a:r>
+          </a:p>
+          <a:p>
+            <a:r>
+              <a:rPr lang="en-CA" dirty="0"/>
+              <a:t>Backing up SQL Server databases</a:t>
             </a:r>
           </a:p>
         </p:txBody>
@@ -7818,7 +7911,7 @@
     </p:spTree>
     <p:extLst>
       <p:ext uri="{BB962C8B-B14F-4D97-AF65-F5344CB8AC3E}">
-        <p14:creationId xmlns:p14="http://schemas.microsoft.com/office/powerpoint/2010/main" val="1810140227"/>
+        <p14:creationId xmlns:p14="http://schemas.microsoft.com/office/powerpoint/2010/main" val="3326846540"/>
       </p:ext>
     </p:extLst>
   </p:cSld>
@@ -7862,7 +7955,7 @@
           <p:cNvPr id="2" name="Title 1">
             <a:extLst>
               <a:ext uri="{FF2B5EF4-FFF2-40B4-BE49-F238E27FC236}">
-                <a16:creationId xmlns:a16="http://schemas.microsoft.com/office/drawing/2014/main" id="{4A22F88E-B1BF-4D15-8A20-46E2FE8ED5C3}"/>
+                <a16:creationId xmlns:a16="http://schemas.microsoft.com/office/drawing/2014/main" id="{BAB144C2-1B50-4025-BE60-2685A0E02336}"/>
               </a:ext>
             </a:extLst>
           </p:cNvPr>
@@ -7881,10 +7974,9 @@
           <a:lstStyle/>
           <a:p>
             <a:r>
-              <a:rPr lang="en-US" dirty="0"/>
-              <a:t>Summary</a:t>
-            </a:r>
-            <a:endParaRPr lang="en-CA" dirty="0"/>
+              <a:rPr lang="en-CA" dirty="0"/>
+              <a:t>Resources</a:t>
+            </a:r>
           </a:p>
         </p:txBody>
       </p:sp>
@@ -7893,7 +7985,7 @@
           <p:cNvPr id="3" name="Content Placeholder 2">
             <a:extLst>
               <a:ext uri="{FF2B5EF4-FFF2-40B4-BE49-F238E27FC236}">
-                <a16:creationId xmlns:a16="http://schemas.microsoft.com/office/drawing/2014/main" id="{550CFAF0-EE44-466D-940D-9EFE13618F9A}"/>
+                <a16:creationId xmlns:a16="http://schemas.microsoft.com/office/drawing/2014/main" id="{7B998BAA-9856-47C4-AFF0-2691496134BC}"/>
               </a:ext>
             </a:extLst>
           </p:cNvPr>
@@ -7909,64 +8001,36 @@
           <a:bodyPr/>
           <a:lstStyle/>
           <a:p>
-            <a:pPr eaLnBrk="1" hangingPunct="1">
-              <a:defRPr/>
-            </a:pPr>
-            <a:r>
-              <a:rPr lang="en-CA" dirty="0"/>
-              <a:t>Can automate just about anything</a:t>
-            </a:r>
-          </a:p>
-          <a:p>
-            <a:pPr eaLnBrk="1" hangingPunct="1">
-              <a:defRPr/>
-            </a:pPr>
-            <a:r>
-              <a:rPr lang="en-CA" dirty="0"/>
-              <a:t>Relatively easy to learn</a:t>
-            </a:r>
-          </a:p>
-          <a:p>
-            <a:pPr eaLnBrk="1" hangingPunct="1">
-              <a:defRPr/>
-            </a:pPr>
-            <a:r>
-              <a:rPr lang="en-CA" dirty="0"/>
-              <a:t>Tons of resources available</a:t>
-            </a:r>
-          </a:p>
-          <a:p>
-            <a:pPr eaLnBrk="1" hangingPunct="1">
-              <a:defRPr/>
-            </a:pPr>
-            <a:r>
-              <a:rPr lang="en-CA" dirty="0"/>
-              <a:t>Session materials </a:t>
-            </a:r>
-            <a:r>
-              <a:rPr lang="en-CA"/>
-              <a:t>at </a:t>
-            </a:r>
-            <a:r>
-              <a:rPr lang="en-CA">
+            <a:r>
+              <a:rPr lang="en-CA" dirty="0"/>
+              <a:t>GIYF: “how do I &lt;something&gt; in PowerShell”</a:t>
+            </a:r>
+          </a:p>
+          <a:p>
+            <a:r>
+              <a:rPr lang="en-US" dirty="0"/>
+              <a:t>Microsoft’s PowerShell documentation:</a:t>
+            </a:r>
+            <a:br>
+              <a:rPr lang="en-US" dirty="0"/>
+            </a:br>
+            <a:r>
+              <a:rPr lang="en-US" dirty="0">
                 <a:hlinkClick r:id="rId2"/>
               </a:rPr>
-              <a:t>https://github.com/DougHennig/PowerShell</a:t>
-            </a:r>
-            <a:endParaRPr lang="en-US" dirty="0"/>
-          </a:p>
-          <a:p>
-            <a:pPr marL="0" indent="0">
-              <a:buNone/>
-            </a:pPr>
-            <a:endParaRPr lang="en-CA" dirty="0"/>
+              <a:t>https://learn.microsoft.com/en-us/powershell</a:t>
+            </a:r>
+            <a:r>
+              <a:rPr lang="en-US" dirty="0"/>
+              <a:t> </a:t>
+            </a:r>
           </a:p>
         </p:txBody>
       </p:sp>
     </p:spTree>
     <p:extLst>
       <p:ext uri="{BB962C8B-B14F-4D97-AF65-F5344CB8AC3E}">
-        <p14:creationId xmlns:p14="http://schemas.microsoft.com/office/powerpoint/2010/main" val="3310591266"/>
+        <p14:creationId xmlns:p14="http://schemas.microsoft.com/office/powerpoint/2010/main" val="1810140227"/>
       </p:ext>
     </p:extLst>
   </p:cSld>
@@ -8007,10 +8071,10 @@
       </p:grpSpPr>
       <p:sp>
         <p:nvSpPr>
-          <p:cNvPr id="4" name="Title 3">
+          <p:cNvPr id="2" name="Title 1">
             <a:extLst>
               <a:ext uri="{FF2B5EF4-FFF2-40B4-BE49-F238E27FC236}">
-                <a16:creationId xmlns:a16="http://schemas.microsoft.com/office/drawing/2014/main" id="{1C1C866F-EFAC-46BA-904A-D52904C901EA}"/>
+                <a16:creationId xmlns:a16="http://schemas.microsoft.com/office/drawing/2014/main" id="{4A22F88E-B1BF-4D15-8A20-46E2FE8ED5C3}"/>
               </a:ext>
             </a:extLst>
           </p:cNvPr>
@@ -8018,7 +8082,38 @@
             <a:spLocks noGrp="1"/>
           </p:cNvSpPr>
           <p:nvPr>
-            <p:ph type="ctrTitle"/>
+            <p:ph type="title"/>
+          </p:nvPr>
+        </p:nvSpPr>
+        <p:spPr/>
+        <p:txBody>
+          <a:bodyPr>
+            <a:normAutofit fontScale="90000"/>
+          </a:bodyPr>
+          <a:lstStyle/>
+          <a:p>
+            <a:r>
+              <a:rPr lang="en-US" dirty="0"/>
+              <a:t>Summary</a:t>
+            </a:r>
+            <a:endParaRPr lang="en-CA" dirty="0"/>
+          </a:p>
+        </p:txBody>
+      </p:sp>
+      <p:sp>
+        <p:nvSpPr>
+          <p:cNvPr id="3" name="Content Placeholder 2">
+            <a:extLst>
+              <a:ext uri="{FF2B5EF4-FFF2-40B4-BE49-F238E27FC236}">
+                <a16:creationId xmlns:a16="http://schemas.microsoft.com/office/drawing/2014/main" id="{550CFAF0-EE44-466D-940D-9EFE13618F9A}"/>
+              </a:ext>
+            </a:extLst>
+          </p:cNvPr>
+          <p:cNvSpPr>
+            <a:spLocks noGrp="1"/>
+          </p:cNvSpPr>
+          <p:nvPr>
+            <p:ph sz="quarter" idx="10"/>
           </p:nvPr>
         </p:nvSpPr>
         <p:spPr/>
@@ -8026,38 +8121,64 @@
           <a:bodyPr/>
           <a:lstStyle/>
           <a:p>
-            <a:r>
-              <a:rPr lang="en-US" dirty="0"/>
-              <a:t>Doug Hennig</a:t>
-            </a:r>
-            <a:br>
-              <a:rPr lang="en-US" dirty="0"/>
-            </a:br>
-            <a:r>
-              <a:rPr lang="en-US" dirty="0"/>
-              <a:t>Stonefield Software Inc.</a:t>
-            </a:r>
-            <a:br>
-              <a:rPr lang="en-US" dirty="0"/>
-            </a:br>
-            <a:r>
-              <a:rPr lang="en-US" dirty="0"/>
-              <a:t>doug@doughennig.com</a:t>
-            </a:r>
-            <a:br>
-              <a:rPr lang="en-US" dirty="0"/>
-            </a:br>
-            <a:r>
-              <a:rPr lang="en-US" dirty="0"/>
-              <a:t>https://DougHennig.com</a:t>
-            </a:r>
+            <a:pPr eaLnBrk="1" hangingPunct="1">
+              <a:defRPr/>
+            </a:pPr>
+            <a:r>
+              <a:rPr lang="en-CA" dirty="0"/>
+              <a:t>Can automate just about anything</a:t>
+            </a:r>
+          </a:p>
+          <a:p>
+            <a:pPr eaLnBrk="1" hangingPunct="1">
+              <a:defRPr/>
+            </a:pPr>
+            <a:r>
+              <a:rPr lang="en-CA" dirty="0"/>
+              <a:t>Relatively easy to learn</a:t>
+            </a:r>
+          </a:p>
+          <a:p>
+            <a:pPr eaLnBrk="1" hangingPunct="1">
+              <a:defRPr/>
+            </a:pPr>
+            <a:r>
+              <a:rPr lang="en-CA" dirty="0"/>
+              <a:t>Tons of resources available</a:t>
+            </a:r>
+          </a:p>
+          <a:p>
+            <a:pPr eaLnBrk="1" hangingPunct="1">
+              <a:defRPr/>
+            </a:pPr>
+            <a:r>
+              <a:rPr lang="en-CA" dirty="0"/>
+              <a:t>Session materials </a:t>
+            </a:r>
+            <a:r>
+              <a:rPr lang="en-CA"/>
+              <a:t>at </a:t>
+            </a:r>
+            <a:r>
+              <a:rPr lang="en-CA">
+                <a:hlinkClick r:id="rId2"/>
+              </a:rPr>
+              <a:t>https://github.com/DougHennig/PowerShell</a:t>
+            </a:r>
+            <a:endParaRPr lang="en-US" dirty="0"/>
+          </a:p>
+          <a:p>
+            <a:pPr marL="0" indent="0">
+              <a:buNone/>
+            </a:pPr>
+            <a:endParaRPr lang="en-CA" dirty="0"/>
           </a:p>
         </p:txBody>
       </p:sp>
     </p:spTree>
     <p:extLst>
       <p:ext uri="{BB962C8B-B14F-4D97-AF65-F5344CB8AC3E}">
-        <p14:creationId xmlns:p14="http://schemas.microsoft.com/office/powerpoint/2010/main" val="2655914804"/>
+        <p14:creationId xmlns:p14="http://schemas.microsoft.com/office/powerpoint/2010/main" val="3310591266"/>
       </p:ext>
     </p:extLst>
   </p:cSld>
@@ -8098,10 +8219,10 @@
       </p:grpSpPr>
       <p:sp>
         <p:nvSpPr>
-          <p:cNvPr id="3" name="Title 2">
+          <p:cNvPr id="2" name="Title 1">
             <a:extLst>
               <a:ext uri="{FF2B5EF4-FFF2-40B4-BE49-F238E27FC236}">
-                <a16:creationId xmlns:a16="http://schemas.microsoft.com/office/drawing/2014/main" id="{8F24CCC9-5DD0-43CF-95EE-2E64ECC809F0}"/>
+                <a16:creationId xmlns:a16="http://schemas.microsoft.com/office/drawing/2014/main" id="{6FDCBE9C-F5A2-D2F3-79BD-CFBE3D874E6C}"/>
               </a:ext>
             </a:extLst>
           </p:cNvPr>
@@ -8121,18 +8242,96 @@
           <a:p>
             <a:r>
               <a:rPr lang="en-US" dirty="0"/>
-              <a:t>Introduction</a:t>
+              <a:t>Sponsors</a:t>
             </a:r>
             <a:endParaRPr lang="en-CA" dirty="0"/>
           </a:p>
         </p:txBody>
       </p:sp>
+      <p:pic>
+        <p:nvPicPr>
+          <p:cNvPr id="4" name="Picture 3" descr="A group of logos on a white background&#10;&#10;Description automatically generated with low confidence">
+            <a:extLst>
+              <a:ext uri="{FF2B5EF4-FFF2-40B4-BE49-F238E27FC236}">
+                <a16:creationId xmlns:a16="http://schemas.microsoft.com/office/drawing/2014/main" id="{FD8F4FC4-A847-2AFC-F1C1-AB1AE5AF572C}"/>
+              </a:ext>
+            </a:extLst>
+          </p:cNvPr>
+          <p:cNvPicPr>
+            <a:picLocks noChangeAspect="1"/>
+          </p:cNvPicPr>
+          <p:nvPr/>
+        </p:nvPicPr>
+        <p:blipFill>
+          <a:blip r:embed="rId2">
+            <a:extLst>
+              <a:ext uri="{28A0092B-C50C-407E-A947-70E740481C1C}">
+                <a14:useLocalDpi xmlns:a14="http://schemas.microsoft.com/office/drawing/2010/main" val="0"/>
+              </a:ext>
+            </a:extLst>
+          </a:blip>
+          <a:stretch>
+            <a:fillRect/>
+          </a:stretch>
+        </p:blipFill>
+        <p:spPr>
+          <a:xfrm>
+            <a:off x="2998068" y="1988840"/>
+            <a:ext cx="7560840" cy="3677940"/>
+          </a:xfrm>
+          <a:prstGeom prst="rect">
+            <a:avLst/>
+          </a:prstGeom>
+        </p:spPr>
+      </p:pic>
+    </p:spTree>
+    <p:extLst>
+      <p:ext uri="{BB962C8B-B14F-4D97-AF65-F5344CB8AC3E}">
+        <p14:creationId xmlns:p14="http://schemas.microsoft.com/office/powerpoint/2010/main" val="3320591779"/>
+      </p:ext>
+    </p:extLst>
+  </p:cSld>
+  <p:clrMapOvr>
+    <a:masterClrMapping/>
+  </p:clrMapOvr>
+  <mc:AlternateContent xmlns:mc="http://schemas.openxmlformats.org/markup-compatibility/2006" xmlns:p14="http://schemas.microsoft.com/office/powerpoint/2010/main">
+    <mc:Choice Requires="p14">
+      <p:transition spd="med" p14:dur="700">
+        <p:fade/>
+      </p:transition>
+    </mc:Choice>
+    <mc:Fallback xmlns="">
+      <p:transition spd="med">
+        <p:fade/>
+      </p:transition>
+    </mc:Fallback>
+  </mc:AlternateContent>
+</p:sld>
+</file>
+
+<file path=ppt/slides/slide30.xml><?xml version="1.0" encoding="utf-8"?>
+<p:sld xmlns:a="http://schemas.openxmlformats.org/drawingml/2006/main" xmlns:r="http://schemas.openxmlformats.org/officeDocument/2006/relationships" xmlns:p="http://schemas.openxmlformats.org/presentationml/2006/main">
+  <p:cSld>
+    <p:spTree>
+      <p:nvGrpSpPr>
+        <p:cNvPr id="1" name=""/>
+        <p:cNvGrpSpPr/>
+        <p:nvPr/>
+      </p:nvGrpSpPr>
+      <p:grpSpPr>
+        <a:xfrm>
+          <a:off x="0" y="0"/>
+          <a:ext cx="0" cy="0"/>
+          <a:chOff x="0" y="0"/>
+          <a:chExt cx="0" cy="0"/>
+        </a:xfrm>
+      </p:grpSpPr>
       <p:sp>
         <p:nvSpPr>
-          <p:cNvPr id="4" name="Content Placeholder 3">
+          <p:cNvPr id="4" name="Title 3">
             <a:extLst>
               <a:ext uri="{FF2B5EF4-FFF2-40B4-BE49-F238E27FC236}">
-                <a16:creationId xmlns:a16="http://schemas.microsoft.com/office/drawing/2014/main" id="{F7F7AFA4-2FDE-47DF-A390-3AE777B0F853}"/>
+                <a16:creationId xmlns:a16="http://schemas.microsoft.com/office/drawing/2014/main" id="{1C1C866F-EFAC-46BA-904A-D52904C901EA}"/>
               </a:ext>
             </a:extLst>
           </p:cNvPr>
@@ -8140,7 +8339,7 @@
             <a:spLocks noGrp="1"/>
           </p:cNvSpPr>
           <p:nvPr>
-            <p:ph sz="quarter" idx="10"/>
+            <p:ph type="ctrTitle"/>
           </p:nvPr>
         </p:nvSpPr>
         <p:spPr/>
@@ -8148,30 +8347,30 @@
           <a:bodyPr/>
           <a:lstStyle/>
           <a:p>
-            <a:pPr eaLnBrk="1" hangingPunct="1">
-              <a:defRPr/>
-            </a:pPr>
-            <a:r>
-              <a:rPr lang="en-CA" dirty="0"/>
-              <a:t>Can’t automate GUI tasks</a:t>
-            </a:r>
-          </a:p>
-          <a:p>
-            <a:pPr eaLnBrk="1" hangingPunct="1">
-              <a:defRPr/>
-            </a:pPr>
-            <a:r>
-              <a:rPr lang="en-CA" dirty="0"/>
-              <a:t>BAT files have shortcomings</a:t>
-            </a:r>
-          </a:p>
-          <a:p>
-            <a:pPr eaLnBrk="1" hangingPunct="1">
-              <a:defRPr/>
-            </a:pPr>
-            <a:r>
-              <a:rPr lang="en-CA" dirty="0"/>
-              <a:t>Windows PowerShell included with Windows 7 and later</a:t>
+            <a:r>
+              <a:rPr lang="en-US" dirty="0"/>
+              <a:t>Doug Hennig</a:t>
+            </a:r>
+            <a:br>
+              <a:rPr lang="en-US" dirty="0"/>
+            </a:br>
+            <a:r>
+              <a:rPr lang="en-US" dirty="0"/>
+              <a:t>Stonefield Software Inc.</a:t>
+            </a:r>
+            <a:br>
+              <a:rPr lang="en-US" dirty="0"/>
+            </a:br>
+            <a:r>
+              <a:rPr lang="en-US" dirty="0"/>
+              <a:t>doug@doughennig.com</a:t>
+            </a:r>
+            <a:br>
+              <a:rPr lang="en-US" dirty="0"/>
+            </a:br>
+            <a:r>
+              <a:rPr lang="en-US" dirty="0"/>
+              <a:t>https://DougHennig.com</a:t>
             </a:r>
           </a:p>
         </p:txBody>
@@ -8179,7 +8378,7 @@
     </p:spTree>
     <p:extLst>
       <p:ext uri="{BB962C8B-B14F-4D97-AF65-F5344CB8AC3E}">
-        <p14:creationId xmlns:p14="http://schemas.microsoft.com/office/powerpoint/2010/main" val="3372133048"/>
+        <p14:creationId xmlns:p14="http://schemas.microsoft.com/office/powerpoint/2010/main" val="2655914804"/>
       </p:ext>
     </p:extLst>
   </p:cSld>
@@ -8220,10 +8419,10 @@
       </p:grpSpPr>
       <p:sp>
         <p:nvSpPr>
-          <p:cNvPr id="2" name="Title 1">
+          <p:cNvPr id="3" name="Title 2">
             <a:extLst>
               <a:ext uri="{FF2B5EF4-FFF2-40B4-BE49-F238E27FC236}">
-                <a16:creationId xmlns:a16="http://schemas.microsoft.com/office/drawing/2014/main" id="{57D7E1DC-7FA5-439B-AA4C-7D535E26CA92}"/>
+                <a16:creationId xmlns:a16="http://schemas.microsoft.com/office/drawing/2014/main" id="{8F24CCC9-5DD0-43CF-95EE-2E64ECC809F0}"/>
               </a:ext>
             </a:extLst>
           </p:cNvPr>
@@ -8243,7 +8442,7 @@
           <a:p>
             <a:r>
               <a:rPr lang="en-US" dirty="0"/>
-              <a:t>Introduction (continued)</a:t>
+              <a:t>Introduction</a:t>
             </a:r>
             <a:endParaRPr lang="en-CA" dirty="0"/>
           </a:p>
@@ -8251,10 +8450,10 @@
       </p:sp>
       <p:sp>
         <p:nvSpPr>
-          <p:cNvPr id="3" name="Content Placeholder 2">
+          <p:cNvPr id="4" name="Content Placeholder 3">
             <a:extLst>
               <a:ext uri="{FF2B5EF4-FFF2-40B4-BE49-F238E27FC236}">
-                <a16:creationId xmlns:a16="http://schemas.microsoft.com/office/drawing/2014/main" id="{BC60FC07-2013-4078-9DEE-510DB06E2378}"/>
+                <a16:creationId xmlns:a16="http://schemas.microsoft.com/office/drawing/2014/main" id="{F7F7AFA4-2FDE-47DF-A390-3AE777B0F853}"/>
               </a:ext>
             </a:extLst>
           </p:cNvPr>
@@ -8275,98 +8474,33 @@
             </a:pPr>
             <a:r>
               <a:rPr lang="en-CA" dirty="0"/>
-              <a:t>Two versions:</a:t>
-            </a:r>
-          </a:p>
-          <a:p>
-            <a:pPr lvl="1">
+              <a:t>Can’t automate GUI tasks</a:t>
+            </a:r>
+          </a:p>
+          <a:p>
+            <a:pPr eaLnBrk="1" hangingPunct="1">
               <a:defRPr/>
             </a:pPr>
             <a:r>
               <a:rPr lang="en-CA" dirty="0"/>
-              <a:t>“Classic” (5.1 latest version):</a:t>
-            </a:r>
-          </a:p>
-          <a:p>
-            <a:pPr lvl="2">
+              <a:t>BAT files have shortcomings</a:t>
+            </a:r>
+          </a:p>
+          <a:p>
+            <a:pPr eaLnBrk="1" hangingPunct="1">
               <a:defRPr/>
             </a:pPr>
             <a:r>
               <a:rPr lang="en-CA" dirty="0"/>
-              <a:t>Built on .NET framework: Windows only</a:t>
-            </a:r>
-          </a:p>
-          <a:p>
-            <a:pPr lvl="2">
-              <a:defRPr/>
-            </a:pPr>
-            <a:r>
-              <a:rPr lang="en-CA" dirty="0"/>
-              <a:t>No longer developed</a:t>
-            </a:r>
-          </a:p>
-          <a:p>
-            <a:pPr lvl="2">
-              <a:defRPr/>
-            </a:pPr>
-            <a:r>
-              <a:rPr lang="en-US" dirty="0"/>
-              <a:t>C:\Windows\System32\WindowsPowerShell\v1.0\PowerShell.exe</a:t>
-            </a:r>
-            <a:endParaRPr lang="en-CA" dirty="0"/>
-          </a:p>
-          <a:p>
-            <a:pPr lvl="1">
-              <a:defRPr/>
-            </a:pPr>
-            <a:r>
-              <a:rPr lang="en-CA" dirty="0"/>
-              <a:t>PowerShell Core (7.3.4 latest version):</a:t>
-            </a:r>
-          </a:p>
-          <a:p>
-            <a:pPr lvl="2">
-              <a:defRPr/>
-            </a:pPr>
-            <a:r>
-              <a:rPr lang="en-CA" dirty="0"/>
-              <a:t>Built on .NET Core: Windows, MacOS, Linux</a:t>
-            </a:r>
-          </a:p>
-          <a:p>
-            <a:pPr lvl="2">
-              <a:defRPr/>
-            </a:pPr>
-            <a:r>
-              <a:rPr lang="en-CA" dirty="0"/>
-              <a:t>Not installed by default</a:t>
-            </a:r>
-          </a:p>
-          <a:p>
-            <a:pPr lvl="2">
-              <a:defRPr/>
-            </a:pPr>
-            <a:r>
-              <a:rPr lang="en-US" dirty="0"/>
-              <a:t>C:\Program Files\PowerShell\7\Pwsh.exe</a:t>
-            </a:r>
-            <a:endParaRPr lang="en-CA" dirty="0"/>
-          </a:p>
-          <a:p>
-            <a:pPr>
-              <a:defRPr/>
-            </a:pPr>
-            <a:endParaRPr lang="en-US" dirty="0"/>
-          </a:p>
-          <a:p>
-            <a:endParaRPr lang="en-CA" dirty="0"/>
+              <a:t>Windows PowerShell included with Windows 7 and later</a:t>
+            </a:r>
           </a:p>
         </p:txBody>
       </p:sp>
     </p:spTree>
     <p:extLst>
       <p:ext uri="{BB962C8B-B14F-4D97-AF65-F5344CB8AC3E}">
-        <p14:creationId xmlns:p14="http://schemas.microsoft.com/office/powerpoint/2010/main" val="3259503598"/>
+        <p14:creationId xmlns:p14="http://schemas.microsoft.com/office/powerpoint/2010/main" val="3372133048"/>
       </p:ext>
     </p:extLst>
   </p:cSld>
@@ -8410,7 +8544,7 @@
           <p:cNvPr id="2" name="Title 1">
             <a:extLst>
               <a:ext uri="{FF2B5EF4-FFF2-40B4-BE49-F238E27FC236}">
-                <a16:creationId xmlns:a16="http://schemas.microsoft.com/office/drawing/2014/main" id="{A3CD9EB1-5C41-4F74-A363-20F893C1DC03}"/>
+                <a16:creationId xmlns:a16="http://schemas.microsoft.com/office/drawing/2014/main" id="{57D7E1DC-7FA5-439B-AA4C-7D535E26CA92}"/>
               </a:ext>
             </a:extLst>
           </p:cNvPr>
@@ -8441,7 +8575,7 @@
           <p:cNvPr id="3" name="Content Placeholder 2">
             <a:extLst>
               <a:ext uri="{FF2B5EF4-FFF2-40B4-BE49-F238E27FC236}">
-                <a16:creationId xmlns:a16="http://schemas.microsoft.com/office/drawing/2014/main" id="{7D409DF3-0AD1-4CC0-9E8A-F2F4914656CA}"/>
+                <a16:creationId xmlns:a16="http://schemas.microsoft.com/office/drawing/2014/main" id="{BC60FC07-2013-4078-9DEE-510DB06E2378}"/>
               </a:ext>
             </a:extLst>
           </p:cNvPr>
@@ -8457,52 +8591,103 @@
           <a:bodyPr/>
           <a:lstStyle/>
           <a:p>
-            <a:r>
-              <a:rPr lang="en-CA" dirty="0"/>
-              <a:t>Key things to know:</a:t>
-            </a:r>
-          </a:p>
-          <a:p>
-            <a:pPr lvl="1"/>
-            <a:r>
-              <a:rPr lang="en-CA" dirty="0"/>
-              <a:t>Based on .NET</a:t>
-            </a:r>
-          </a:p>
-          <a:p>
-            <a:pPr lvl="1"/>
-            <a:r>
-              <a:rPr lang="en-CA" dirty="0"/>
-              <a:t>Full access to COM and WMI</a:t>
-            </a:r>
-          </a:p>
-          <a:p>
-            <a:pPr lvl="1"/>
-            <a:r>
-              <a:rPr lang="en-CA" dirty="0"/>
-              <a:t>Interpreted and interactive</a:t>
-            </a:r>
-          </a:p>
-          <a:p>
-            <a:pPr lvl="1"/>
-            <a:r>
-              <a:rPr lang="en-CA" dirty="0"/>
-              <a:t>Dynamically typed</a:t>
-            </a:r>
-          </a:p>
-          <a:p>
-            <a:pPr lvl="1"/>
-            <a:r>
-              <a:rPr lang="en-CA" dirty="0"/>
-              <a:t>Everything is an object</a:t>
-            </a:r>
+            <a:pPr eaLnBrk="1" hangingPunct="1">
+              <a:defRPr/>
+            </a:pPr>
+            <a:r>
+              <a:rPr lang="en-CA" dirty="0"/>
+              <a:t>Two versions:</a:t>
+            </a:r>
+          </a:p>
+          <a:p>
+            <a:pPr lvl="1">
+              <a:defRPr/>
+            </a:pPr>
+            <a:r>
+              <a:rPr lang="en-CA" dirty="0"/>
+              <a:t>“Classic” (5.1 latest version):</a:t>
+            </a:r>
+          </a:p>
+          <a:p>
+            <a:pPr lvl="2">
+              <a:defRPr/>
+            </a:pPr>
+            <a:r>
+              <a:rPr lang="en-CA" dirty="0"/>
+              <a:t>Built on .NET framework: Windows only</a:t>
+            </a:r>
+          </a:p>
+          <a:p>
+            <a:pPr lvl="2">
+              <a:defRPr/>
+            </a:pPr>
+            <a:r>
+              <a:rPr lang="en-CA" dirty="0"/>
+              <a:t>No longer developed</a:t>
+            </a:r>
+          </a:p>
+          <a:p>
+            <a:pPr lvl="2">
+              <a:defRPr/>
+            </a:pPr>
+            <a:r>
+              <a:rPr lang="en-US" dirty="0"/>
+              <a:t>C:\Windows\System32\WindowsPowerShell\v1.0\PowerShell.exe</a:t>
+            </a:r>
+            <a:endParaRPr lang="en-CA" dirty="0"/>
+          </a:p>
+          <a:p>
+            <a:pPr lvl="1">
+              <a:defRPr/>
+            </a:pPr>
+            <a:r>
+              <a:rPr lang="en-CA" dirty="0"/>
+              <a:t>PowerShell Core (7.3.4 latest version):</a:t>
+            </a:r>
+          </a:p>
+          <a:p>
+            <a:pPr lvl="2">
+              <a:defRPr/>
+            </a:pPr>
+            <a:r>
+              <a:rPr lang="en-CA" dirty="0"/>
+              <a:t>Built on .NET Core: Windows, MacOS, Linux</a:t>
+            </a:r>
+          </a:p>
+          <a:p>
+            <a:pPr lvl="2">
+              <a:defRPr/>
+            </a:pPr>
+            <a:r>
+              <a:rPr lang="en-CA" dirty="0"/>
+              <a:t>Not installed by default</a:t>
+            </a:r>
+          </a:p>
+          <a:p>
+            <a:pPr lvl="2">
+              <a:defRPr/>
+            </a:pPr>
+            <a:r>
+              <a:rPr lang="en-US" dirty="0"/>
+              <a:t>C:\Program Files\PowerShell\7\Pwsh.exe</a:t>
+            </a:r>
+            <a:endParaRPr lang="en-CA" dirty="0"/>
+          </a:p>
+          <a:p>
+            <a:pPr>
+              <a:defRPr/>
+            </a:pPr>
+            <a:endParaRPr lang="en-US" dirty="0"/>
+          </a:p>
+          <a:p>
+            <a:endParaRPr lang="en-CA" dirty="0"/>
           </a:p>
         </p:txBody>
       </p:sp>
     </p:spTree>
     <p:extLst>
       <p:ext uri="{BB962C8B-B14F-4D97-AF65-F5344CB8AC3E}">
-        <p14:creationId xmlns:p14="http://schemas.microsoft.com/office/powerpoint/2010/main" val="528530294"/>
+        <p14:creationId xmlns:p14="http://schemas.microsoft.com/office/powerpoint/2010/main" val="3259503598"/>
       </p:ext>
     </p:extLst>
   </p:cSld>
@@ -8546,6 +8731,142 @@
           <p:cNvPr id="2" name="Title 1">
             <a:extLst>
               <a:ext uri="{FF2B5EF4-FFF2-40B4-BE49-F238E27FC236}">
+                <a16:creationId xmlns:a16="http://schemas.microsoft.com/office/drawing/2014/main" id="{A3CD9EB1-5C41-4F74-A363-20F893C1DC03}"/>
+              </a:ext>
+            </a:extLst>
+          </p:cNvPr>
+          <p:cNvSpPr>
+            <a:spLocks noGrp="1"/>
+          </p:cNvSpPr>
+          <p:nvPr>
+            <p:ph type="title"/>
+          </p:nvPr>
+        </p:nvSpPr>
+        <p:spPr/>
+        <p:txBody>
+          <a:bodyPr>
+            <a:normAutofit fontScale="90000"/>
+          </a:bodyPr>
+          <a:lstStyle/>
+          <a:p>
+            <a:r>
+              <a:rPr lang="en-US" dirty="0"/>
+              <a:t>Introduction (continued)</a:t>
+            </a:r>
+            <a:endParaRPr lang="en-CA" dirty="0"/>
+          </a:p>
+        </p:txBody>
+      </p:sp>
+      <p:sp>
+        <p:nvSpPr>
+          <p:cNvPr id="3" name="Content Placeholder 2">
+            <a:extLst>
+              <a:ext uri="{FF2B5EF4-FFF2-40B4-BE49-F238E27FC236}">
+                <a16:creationId xmlns:a16="http://schemas.microsoft.com/office/drawing/2014/main" id="{7D409DF3-0AD1-4CC0-9E8A-F2F4914656CA}"/>
+              </a:ext>
+            </a:extLst>
+          </p:cNvPr>
+          <p:cNvSpPr>
+            <a:spLocks noGrp="1"/>
+          </p:cNvSpPr>
+          <p:nvPr>
+            <p:ph sz="quarter" idx="10"/>
+          </p:nvPr>
+        </p:nvSpPr>
+        <p:spPr/>
+        <p:txBody>
+          <a:bodyPr/>
+          <a:lstStyle/>
+          <a:p>
+            <a:r>
+              <a:rPr lang="en-CA" dirty="0"/>
+              <a:t>Key things to know:</a:t>
+            </a:r>
+          </a:p>
+          <a:p>
+            <a:pPr lvl="1"/>
+            <a:r>
+              <a:rPr lang="en-CA" dirty="0"/>
+              <a:t>Based on .NET</a:t>
+            </a:r>
+          </a:p>
+          <a:p>
+            <a:pPr lvl="1"/>
+            <a:r>
+              <a:rPr lang="en-CA" dirty="0"/>
+              <a:t>Full access to COM and WMI</a:t>
+            </a:r>
+          </a:p>
+          <a:p>
+            <a:pPr lvl="1"/>
+            <a:r>
+              <a:rPr lang="en-CA" dirty="0"/>
+              <a:t>Interpreted and interactive</a:t>
+            </a:r>
+          </a:p>
+          <a:p>
+            <a:pPr lvl="1"/>
+            <a:r>
+              <a:rPr lang="en-CA" dirty="0"/>
+              <a:t>Dynamically typed</a:t>
+            </a:r>
+          </a:p>
+          <a:p>
+            <a:pPr lvl="1"/>
+            <a:r>
+              <a:rPr lang="en-CA" dirty="0"/>
+              <a:t>Everything is an object</a:t>
+            </a:r>
+          </a:p>
+        </p:txBody>
+      </p:sp>
+    </p:spTree>
+    <p:extLst>
+      <p:ext uri="{BB962C8B-B14F-4D97-AF65-F5344CB8AC3E}">
+        <p14:creationId xmlns:p14="http://schemas.microsoft.com/office/powerpoint/2010/main" val="528530294"/>
+      </p:ext>
+    </p:extLst>
+  </p:cSld>
+  <p:clrMapOvr>
+    <a:masterClrMapping/>
+  </p:clrMapOvr>
+  <mc:AlternateContent xmlns:mc="http://schemas.openxmlformats.org/markup-compatibility/2006" xmlns:p14="http://schemas.microsoft.com/office/powerpoint/2010/main">
+    <mc:Choice Requires="p14">
+      <p:transition spd="med" p14:dur="700">
+        <p:fade/>
+      </p:transition>
+    </mc:Choice>
+    <mc:Fallback xmlns="">
+      <p:transition spd="med">
+        <p:fade/>
+      </p:transition>
+    </mc:Fallback>
+  </mc:AlternateContent>
+</p:sld>
+</file>
+
+<file path=ppt/slides/slide7.xml><?xml version="1.0" encoding="utf-8"?>
+<p:sld xmlns:a="http://schemas.openxmlformats.org/drawingml/2006/main" xmlns:r="http://schemas.openxmlformats.org/officeDocument/2006/relationships" xmlns:p="http://schemas.openxmlformats.org/presentationml/2006/main">
+  <p:cSld>
+    <p:spTree>
+      <p:nvGrpSpPr>
+        <p:cNvPr id="1" name=""/>
+        <p:cNvGrpSpPr/>
+        <p:nvPr/>
+      </p:nvGrpSpPr>
+      <p:grpSpPr>
+        <a:xfrm>
+          <a:off x="0" y="0"/>
+          <a:ext cx="0" cy="0"/>
+          <a:chOff x="0" y="0"/>
+          <a:chExt cx="0" cy="0"/>
+        </a:xfrm>
+      </p:grpSpPr>
+      <p:sp>
+        <p:nvSpPr>
+          <p:cNvPr id="2" name="Title 1">
+            <a:extLst>
+              <a:ext uri="{FF2B5EF4-FFF2-40B4-BE49-F238E27FC236}">
                 <a16:creationId xmlns:a16="http://schemas.microsoft.com/office/drawing/2014/main" id="{24DEAF7B-8207-497B-A069-88A697794041}"/>
               </a:ext>
             </a:extLst>
@@ -8649,7 +8970,7 @@
 </p:sld>
 </file>
 
-<file path=ppt/slides/slide7.xml><?xml version="1.0" encoding="utf-8"?>
+<file path=ppt/slides/slide8.xml><?xml version="1.0" encoding="utf-8"?>
 <p:sld xmlns:a="http://schemas.openxmlformats.org/drawingml/2006/main" xmlns:r="http://schemas.openxmlformats.org/officeDocument/2006/relationships" xmlns:p="http://schemas.openxmlformats.org/presentationml/2006/main">
   <p:cSld>
     <p:spTree>
@@ -8830,7 +9151,7 @@
 </p:sld>
 </file>
 
-<file path=ppt/slides/slide8.xml><?xml version="1.0" encoding="utf-8"?>
+<file path=ppt/slides/slide9.xml><?xml version="1.0" encoding="utf-8"?>
 <p:sld xmlns:a="http://schemas.openxmlformats.org/drawingml/2006/main" xmlns:r="http://schemas.openxmlformats.org/officeDocument/2006/relationships" xmlns:p="http://schemas.openxmlformats.org/presentationml/2006/main">
   <p:cSld>
     <p:spTree>
@@ -8945,183 +9266,6 @@
     <p:extLst>
       <p:ext uri="{BB962C8B-B14F-4D97-AF65-F5344CB8AC3E}">
         <p14:creationId xmlns:p14="http://schemas.microsoft.com/office/powerpoint/2010/main" val="222490544"/>
-      </p:ext>
-    </p:extLst>
-  </p:cSld>
-  <p:clrMapOvr>
-    <a:masterClrMapping/>
-  </p:clrMapOvr>
-  <mc:AlternateContent xmlns:mc="http://schemas.openxmlformats.org/markup-compatibility/2006" xmlns:p14="http://schemas.microsoft.com/office/powerpoint/2010/main">
-    <mc:Choice Requires="p14">
-      <p:transition spd="med" p14:dur="700">
-        <p:fade/>
-      </p:transition>
-    </mc:Choice>
-    <mc:Fallback xmlns="">
-      <p:transition spd="med">
-        <p:fade/>
-      </p:transition>
-    </mc:Fallback>
-  </mc:AlternateContent>
-</p:sld>
-</file>
-
-<file path=ppt/slides/slide9.xml><?xml version="1.0" encoding="utf-8"?>
-<p:sld xmlns:a="http://schemas.openxmlformats.org/drawingml/2006/main" xmlns:r="http://schemas.openxmlformats.org/officeDocument/2006/relationships" xmlns:p="http://schemas.openxmlformats.org/presentationml/2006/main">
-  <p:cSld>
-    <p:spTree>
-      <p:nvGrpSpPr>
-        <p:cNvPr id="1" name=""/>
-        <p:cNvGrpSpPr/>
-        <p:nvPr/>
-      </p:nvGrpSpPr>
-      <p:grpSpPr>
-        <a:xfrm>
-          <a:off x="0" y="0"/>
-          <a:ext cx="0" cy="0"/>
-          <a:chOff x="0" y="0"/>
-          <a:chExt cx="0" cy="0"/>
-        </a:xfrm>
-      </p:grpSpPr>
-      <p:sp>
-        <p:nvSpPr>
-          <p:cNvPr id="2" name="Title 1">
-            <a:extLst>
-              <a:ext uri="{FF2B5EF4-FFF2-40B4-BE49-F238E27FC236}">
-                <a16:creationId xmlns:a16="http://schemas.microsoft.com/office/drawing/2014/main" id="{765E4264-6707-4754-A83F-CCB7F68FA25D}"/>
-              </a:ext>
-            </a:extLst>
-          </p:cNvPr>
-          <p:cNvSpPr>
-            <a:spLocks noGrp="1"/>
-          </p:cNvSpPr>
-          <p:nvPr>
-            <p:ph type="title"/>
-          </p:nvPr>
-        </p:nvSpPr>
-        <p:spPr/>
-        <p:txBody>
-          <a:bodyPr>
-            <a:normAutofit fontScale="90000"/>
-          </a:bodyPr>
-          <a:lstStyle/>
-          <a:p>
-            <a:r>
-              <a:rPr lang="en-CA" dirty="0"/>
-              <a:t>PowerShell ISE</a:t>
-            </a:r>
-          </a:p>
-        </p:txBody>
-      </p:sp>
-      <p:sp>
-        <p:nvSpPr>
-          <p:cNvPr id="3" name="Content Placeholder 2">
-            <a:extLst>
-              <a:ext uri="{FF2B5EF4-FFF2-40B4-BE49-F238E27FC236}">
-                <a16:creationId xmlns:a16="http://schemas.microsoft.com/office/drawing/2014/main" id="{8D2BB768-C17B-4143-8295-3B2A2C8783EC}"/>
-              </a:ext>
-            </a:extLst>
-          </p:cNvPr>
-          <p:cNvSpPr>
-            <a:spLocks noGrp="1"/>
-          </p:cNvSpPr>
-          <p:nvPr>
-            <p:ph sz="quarter" idx="10"/>
-          </p:nvPr>
-        </p:nvSpPr>
-        <p:spPr/>
-        <p:txBody>
-          <a:bodyPr/>
-          <a:lstStyle/>
-          <a:p>
-            <a:r>
-              <a:rPr lang="en-CA" dirty="0"/>
-              <a:t>For PowerShell (use VS Code with PS extension for PowerShell Core)</a:t>
-            </a:r>
-          </a:p>
-          <a:p>
-            <a:r>
-              <a:rPr lang="en-CA" dirty="0"/>
-              <a:t>Console pane, script editor, debugger, commands pane, IntelliSense</a:t>
-            </a:r>
-          </a:p>
-          <a:p>
-            <a:r>
-              <a:rPr lang="en-CA" dirty="0"/>
-              <a:t>Launch: edit ps1 file or</a:t>
-            </a:r>
-            <a:br>
-              <a:rPr lang="en-CA" dirty="0"/>
-            </a:br>
-            <a:r>
-              <a:rPr lang="en-CA" dirty="0"/>
-              <a:t>“</a:t>
-            </a:r>
-            <a:r>
-              <a:rPr lang="en-CA" dirty="0" err="1"/>
-              <a:t>powershell_ise</a:t>
-            </a:r>
-            <a:r>
-              <a:rPr lang="en-CA" dirty="0"/>
-              <a:t>” in</a:t>
-            </a:r>
-            <a:br>
-              <a:rPr lang="en-CA" dirty="0"/>
-            </a:br>
-            <a:r>
-              <a:rPr lang="en-CA" dirty="0"/>
-              <a:t>Windows Explorer address bar</a:t>
-            </a:r>
-          </a:p>
-          <a:p>
-            <a:r>
-              <a:rPr lang="en-CA" dirty="0"/>
-              <a:t>Tab completion handy</a:t>
-            </a:r>
-            <a:endParaRPr lang="en-US" dirty="0"/>
-          </a:p>
-        </p:txBody>
-      </p:sp>
-      <p:pic>
-        <p:nvPicPr>
-          <p:cNvPr id="5" name="Picture 4">
-            <a:extLst>
-              <a:ext uri="{FF2B5EF4-FFF2-40B4-BE49-F238E27FC236}">
-                <a16:creationId xmlns:a16="http://schemas.microsoft.com/office/drawing/2014/main" id="{0D223F90-67F1-46F0-B794-F716FEEE0CC9}"/>
-              </a:ext>
-            </a:extLst>
-          </p:cNvPr>
-          <p:cNvPicPr>
-            <a:picLocks noChangeAspect="1"/>
-          </p:cNvPicPr>
-          <p:nvPr/>
-        </p:nvPicPr>
-        <p:blipFill>
-          <a:blip r:embed="rId2">
-            <a:extLst>
-              <a:ext uri="{28A0092B-C50C-407E-A947-70E740481C1C}">
-                <a14:useLocalDpi xmlns:a14="http://schemas.microsoft.com/office/drawing/2010/main" val="0"/>
-              </a:ext>
-            </a:extLst>
-          </a:blip>
-          <a:stretch>
-            <a:fillRect/>
-          </a:stretch>
-        </p:blipFill>
-        <p:spPr>
-          <a:xfrm>
-            <a:off x="8402633" y="3284984"/>
-            <a:ext cx="3752212" cy="3004780"/>
-          </a:xfrm>
-          <a:prstGeom prst="rect">
-            <a:avLst/>
-          </a:prstGeom>
-        </p:spPr>
-      </p:pic>
-    </p:spTree>
-    <p:extLst>
-      <p:ext uri="{BB962C8B-B14F-4D97-AF65-F5344CB8AC3E}">
-        <p14:creationId xmlns:p14="http://schemas.microsoft.com/office/powerpoint/2010/main" val="1883165359"/>
       </p:ext>
     </p:extLst>
   </p:cSld>
@@ -9953,6 +10097,24 @@
 </file>
 
 <file path=customXml/item1.xml><?xml version="1.0" encoding="utf-8"?>
+<Control xmlns="http://schemas.microsoft.com/VisualStudio/2011/storyboarding/control">
+  <Id Name="3a5f3215-4f7c-4247-9247-a9acf7619a8c" Revision="1" Stencil="System.MyShapes" StencilVersion="1.0"/>
+</Control>
+</file>
+
+<file path=customXml/item10.xml><?xml version="1.0" encoding="utf-8"?>
+<Control xmlns="http://schemas.microsoft.com/VisualStudio/2011/storyboarding/control">
+  <Id Name="37d07999-8e88-45a7-b776-aa394cd3ee89" Revision="1" Stencil="System.MyShapes" StencilVersion="1.0"/>
+</Control>
+</file>
+
+<file path=customXml/item11.xml><?xml version="1.0" encoding="utf-8"?>
+<Control xmlns="http://schemas.microsoft.com/VisualStudio/2011/storyboarding/control">
+  <Id Name="3a5f3215-4f7c-4247-9247-a9acf7619a8c" Revision="1" Stencil="System.MyShapes" StencilVersion="1.0"/>
+</Control>
+</file>
+
+<file path=customXml/item2.xml><?xml version="1.0" encoding="utf-8"?>
 <p:properties xmlns:p="http://schemas.microsoft.com/office/2006/metadata/properties" xmlns:xsi="http://www.w3.org/2001/XMLSchema-instance" xmlns:pc="http://schemas.microsoft.com/office/infopath/2007/PartnerControls">
   <documentManagement>
     <LocPublishedLinkedAssetsLookup xmlns="4873beb7-5857-4685-be1f-d57550cc96cc" xsi:nil="true"/>
@@ -10086,24 +10248,6 @@
     <LocMarketGroupTiers2 xmlns="4873beb7-5857-4685-be1f-d57550cc96cc" xsi:nil="true"/>
   </documentManagement>
 </p:properties>
-</file>
-
-<file path=customXml/item10.xml><?xml version="1.0" encoding="utf-8"?>
-<Control xmlns="http://schemas.microsoft.com/VisualStudio/2011/storyboarding/control">
-  <Id Name="37d07999-8e88-45a7-b776-aa394cd3ee89" Revision="1" Stencil="System.MyShapes" StencilVersion="1.0"/>
-</Control>
-</file>
-
-<file path=customXml/item11.xml><?xml version="1.0" encoding="utf-8"?>
-<Control xmlns="http://schemas.microsoft.com/VisualStudio/2011/storyboarding/control">
-  <Id Name="3a5f3215-4f7c-4247-9247-a9acf7619a8c" Revision="1" Stencil="System.MyShapes" StencilVersion="1.0"/>
-</Control>
-</file>
-
-<file path=customXml/item2.xml><?xml version="1.0" encoding="utf-8"?>
-<Control xmlns="http://schemas.microsoft.com/VisualStudio/2011/storyboarding/control">
-  <Id Name="3a5f3215-4f7c-4247-9247-a9acf7619a8c" Revision="1" Stencil="System.MyShapes" StencilVersion="1.0"/>
-</Control>
 </file>
 
 <file path=customXml/item3.xml><?xml version="1.0" encoding="utf-8"?>
@@ -11171,12 +11315,6 @@
 </file>
 
 <file path=customXml/item8.xml><?xml version="1.0" encoding="utf-8"?>
-<Control xmlns="http://schemas.microsoft.com/VisualStudio/2011/storyboarding/control">
-  <Id Name="3a5f3215-4f7c-4247-9247-a9acf7619a8c" Revision="1" Stencil="System.MyShapes" StencilVersion="1.0"/>
-</Control>
-</file>
-
-<file path=customXml/item9.xml><?xml version="1.0" encoding="utf-8"?>
 <?mso-contentType ?>
 <FormTemplates xmlns="http://schemas.microsoft.com/sharepoint/v3/contenttype/forms">
   <Display>DocumentLibraryForm</Display>
@@ -11185,18 +11323,16 @@
 </FormTemplates>
 </file>
 
+<file path=customXml/item9.xml><?xml version="1.0" encoding="utf-8"?>
+<Control xmlns="http://schemas.microsoft.com/VisualStudio/2011/storyboarding/control">
+  <Id Name="3a5f3215-4f7c-4247-9247-a9acf7619a8c" Revision="1" Stencil="System.MyShapes" StencilVersion="1.0"/>
+</Control>
+</file>
+
 <file path=customXml/itemProps1.xml><?xml version="1.0" encoding="utf-8"?>
-<ds:datastoreItem xmlns:ds="http://schemas.openxmlformats.org/officeDocument/2006/customXml" ds:itemID="{F301D382-32B0-43EE-932C-28906AF37617}">
+<ds:datastoreItem xmlns:ds="http://schemas.openxmlformats.org/officeDocument/2006/customXml" ds:itemID="{B93E3EFA-D9D3-4448-BC21-BB6156158366}">
   <ds:schemaRefs>
-    <ds:schemaRef ds:uri="http://purl.org/dc/elements/1.1/"/>
-    <ds:schemaRef ds:uri="http://schemas.microsoft.com/office/2006/metadata/properties"/>
-    <ds:schemaRef ds:uri="http://purl.org/dc/terms/"/>
-    <ds:schemaRef ds:uri="http://schemas.openxmlformats.org/package/2006/metadata/core-properties"/>
-    <ds:schemaRef ds:uri="http://schemas.microsoft.com/office/2006/documentManagement/types"/>
-    <ds:schemaRef ds:uri="http://schemas.microsoft.com/office/infopath/2007/PartnerControls"/>
-    <ds:schemaRef ds:uri="4873beb7-5857-4685-be1f-d57550cc96cc"/>
-    <ds:schemaRef ds:uri="http://www.w3.org/XML/1998/namespace"/>
-    <ds:schemaRef ds:uri="http://purl.org/dc/dcmitype/"/>
+    <ds:schemaRef ds:uri="http://schemas.microsoft.com/VisualStudio/2011/storyboarding/control"/>
   </ds:schemaRefs>
 </ds:datastoreItem>
 </file>
@@ -11218,9 +11354,17 @@
 </file>
 
 <file path=customXml/itemProps2.xml><?xml version="1.0" encoding="utf-8"?>
-<ds:datastoreItem xmlns:ds="http://schemas.openxmlformats.org/officeDocument/2006/customXml" ds:itemID="{B93E3EFA-D9D3-4448-BC21-BB6156158366}">
+<ds:datastoreItem xmlns:ds="http://schemas.openxmlformats.org/officeDocument/2006/customXml" ds:itemID="{F301D382-32B0-43EE-932C-28906AF37617}">
   <ds:schemaRefs>
-    <ds:schemaRef ds:uri="http://schemas.microsoft.com/VisualStudio/2011/storyboarding/control"/>
+    <ds:schemaRef ds:uri="http://purl.org/dc/elements/1.1/"/>
+    <ds:schemaRef ds:uri="http://schemas.microsoft.com/office/2006/metadata/properties"/>
+    <ds:schemaRef ds:uri="http://purl.org/dc/terms/"/>
+    <ds:schemaRef ds:uri="http://schemas.openxmlformats.org/package/2006/metadata/core-properties"/>
+    <ds:schemaRef ds:uri="http://schemas.microsoft.com/office/2006/documentManagement/types"/>
+    <ds:schemaRef ds:uri="http://schemas.microsoft.com/office/infopath/2007/PartnerControls"/>
+    <ds:schemaRef ds:uri="4873beb7-5857-4685-be1f-d57550cc96cc"/>
+    <ds:schemaRef ds:uri="http://www.w3.org/XML/1998/namespace"/>
+    <ds:schemaRef ds:uri="http://purl.org/dc/dcmitype/"/>
   </ds:schemaRefs>
 </ds:datastoreItem>
 </file>
@@ -11276,17 +11420,17 @@
 </file>
 
 <file path=customXml/itemProps8.xml><?xml version="1.0" encoding="utf-8"?>
+<ds:datastoreItem xmlns:ds="http://schemas.openxmlformats.org/officeDocument/2006/customXml" ds:itemID="{E1B558C7-619B-49BE-9097-7FCBDADD4ECE}">
+  <ds:schemaRefs>
+    <ds:schemaRef ds:uri="http://schemas.microsoft.com/sharepoint/v3/contenttype/forms"/>
+  </ds:schemaRefs>
+</ds:datastoreItem>
+</file>
+
+<file path=customXml/itemProps9.xml><?xml version="1.0" encoding="utf-8"?>
 <ds:datastoreItem xmlns:ds="http://schemas.openxmlformats.org/officeDocument/2006/customXml" ds:itemID="{F8B7C765-2F36-4486-9DE5-D0E485AFE8E4}">
   <ds:schemaRefs>
     <ds:schemaRef ds:uri="http://schemas.microsoft.com/VisualStudio/2011/storyboarding/control"/>
   </ds:schemaRefs>
 </ds:datastoreItem>
-</file>
-
-<file path=customXml/itemProps9.xml><?xml version="1.0" encoding="utf-8"?>
-<ds:datastoreItem xmlns:ds="http://schemas.openxmlformats.org/officeDocument/2006/customXml" ds:itemID="{E1B558C7-619B-49BE-9097-7FCBDADD4ECE}">
-  <ds:schemaRefs>
-    <ds:schemaRef ds:uri="http://schemas.microsoft.com/sharepoint/v3/contenttype/forms"/>
-  </ds:schemaRefs>
-</ds:datastoreItem>
 </file>